--- a/trabalho 6/apresentacao.pptx
+++ b/trabalho 6/apresentacao.pptx
@@ -11964,6 +11964,75 @@
       </p:graphicFrame>
       <p:sp>
         <p:nvSpPr>
+          <p:cNvPr id="7" name="Espaço Reservado para Texto 6"/>
+          <p:cNvSpPr>
+            <a:spLocks noGrp="1"/>
+          </p:cNvSpPr>
+          <p:nvPr>
+            <p:ph type="body"/>
+          </p:nvPr>
+        </p:nvSpPr>
+        <p:spPr/>
+        <p:txBody>
+          <a:bodyPr/>
+          <a:lstStyle/>
+          <a:p>
+            <a:pPr marL="432000" indent="-323640" algn="just">
+              <a:lnSpc>
+                <a:spcPct val="100000"/>
+              </a:lnSpc>
+              <a:buClr>
+                <a:srgbClr val="000000"/>
+              </a:buClr>
+              <a:buSzPct val="45000"/>
+              <a:buFont typeface="Wingdings" charset="2"/>
+              <a:buChar char=""/>
+            </a:pPr>
+            <a:r>
+              <a:rPr lang="pt-BR" sz="2400" strike="noStrike" spc="-1" dirty="0" smtClean="0">
+                <a:solidFill>
+                  <a:srgbClr val="000000"/>
+                </a:solidFill>
+                <a:uFill>
+                  <a:solidFill>
+                    <a:srgbClr val="FFFFFF"/>
+                  </a:solidFill>
+                </a:uFill>
+                <a:latin typeface="Century Schoolbook" pitchFamily="18" charset="0"/>
+                <a:ea typeface="DejaVu Sans"/>
+              </a:rPr>
+              <a:t>Imagem por </a:t>
+            </a:r>
+            <a:r>
+              <a:rPr lang="pt-BR" sz="2400" strike="noStrike" spc="-1" dirty="0" smtClean="0">
+                <a:solidFill>
+                  <a:srgbClr val="000000"/>
+                </a:solidFill>
+                <a:uFill>
+                  <a:solidFill>
+                    <a:srgbClr val="FFFFFF"/>
+                  </a:solidFill>
+                </a:uFill>
+                <a:latin typeface="Century Schoolbook" pitchFamily="18" charset="0"/>
+              </a:rPr>
+              <a:t>composição das bandas por soma simétrica (Bloch, 1996).</a:t>
+            </a:r>
+            <a:endParaRPr lang="pt-BR" sz="2400" spc="-1" dirty="0" smtClean="0">
+              <a:solidFill>
+                <a:srgbClr val="000000"/>
+              </a:solidFill>
+              <a:uFill>
+                <a:solidFill>
+                  <a:srgbClr val="FFFFFF"/>
+                </a:solidFill>
+              </a:uFill>
+              <a:latin typeface="Century Schoolbook" pitchFamily="18" charset="0"/>
+            </a:endParaRPr>
+          </a:p>
+        </p:txBody>
+      </p:sp>
+      <p:sp>
+        <p:nvSpPr>
           <p:cNvPr id="4" name="Título 3"/>
           <p:cNvSpPr>
             <a:spLocks noGrp="1"/>
@@ -12008,75 +12077,6 @@
               <a:t>Carcinoma</a:t>
             </a:r>
             <a:endParaRPr lang="pt-BR" sz="3000" b="1" dirty="0">
-              <a:latin typeface="Century Schoolbook" pitchFamily="18" charset="0"/>
-            </a:endParaRPr>
-          </a:p>
-        </p:txBody>
-      </p:sp>
-      <p:sp>
-        <p:nvSpPr>
-          <p:cNvPr id="7" name="Espaço Reservado para Texto 6"/>
-          <p:cNvSpPr>
-            <a:spLocks noGrp="1"/>
-          </p:cNvSpPr>
-          <p:nvPr>
-            <p:ph type="body"/>
-          </p:nvPr>
-        </p:nvSpPr>
-        <p:spPr/>
-        <p:txBody>
-          <a:bodyPr/>
-          <a:lstStyle/>
-          <a:p>
-            <a:pPr marL="432000" indent="-323640" algn="just">
-              <a:lnSpc>
-                <a:spcPct val="100000"/>
-              </a:lnSpc>
-              <a:buClr>
-                <a:srgbClr val="000000"/>
-              </a:buClr>
-              <a:buSzPct val="45000"/>
-              <a:buFont typeface="Wingdings" charset="2"/>
-              <a:buChar char=""/>
-            </a:pPr>
-            <a:r>
-              <a:rPr lang="pt-BR" sz="2400" strike="noStrike" spc="-1" dirty="0" smtClean="0">
-                <a:solidFill>
-                  <a:srgbClr val="000000"/>
-                </a:solidFill>
-                <a:uFill>
-                  <a:solidFill>
-                    <a:srgbClr val="FFFFFF"/>
-                  </a:solidFill>
-                </a:uFill>
-                <a:latin typeface="Century Schoolbook" pitchFamily="18" charset="0"/>
-                <a:ea typeface="DejaVu Sans"/>
-              </a:rPr>
-              <a:t>Imagem por </a:t>
-            </a:r>
-            <a:r>
-              <a:rPr lang="pt-BR" sz="2400" strike="noStrike" spc="-1" dirty="0" smtClean="0">
-                <a:solidFill>
-                  <a:srgbClr val="000000"/>
-                </a:solidFill>
-                <a:uFill>
-                  <a:solidFill>
-                    <a:srgbClr val="FFFFFF"/>
-                  </a:solidFill>
-                </a:uFill>
-                <a:latin typeface="Century Schoolbook" pitchFamily="18" charset="0"/>
-              </a:rPr>
-              <a:t>composição das bandas por soma simétrica (Bloch, 1996).</a:t>
-            </a:r>
-            <a:endParaRPr lang="pt-BR" sz="2400" spc="-1" dirty="0" smtClean="0">
-              <a:solidFill>
-                <a:srgbClr val="000000"/>
-              </a:solidFill>
-              <a:uFill>
-                <a:solidFill>
-                  <a:srgbClr val="FFFFFF"/>
-                </a:solidFill>
-              </a:uFill>
               <a:latin typeface="Century Schoolbook" pitchFamily="18" charset="0"/>
             </a:endParaRPr>
           </a:p>
@@ -12126,7 +12126,7 @@
         </p:nvSpPr>
         <p:spPr>
           <a:xfrm>
-            <a:off x="503808" y="1475581"/>
+            <a:off x="503808" y="1547589"/>
             <a:ext cx="9068760" cy="4382280"/>
           </a:xfrm>
         </p:spPr>
@@ -12184,12 +12184,7 @@
             <p:ph type="title"/>
           </p:nvPr>
         </p:nvSpPr>
-        <p:spPr>
-          <a:xfrm>
-            <a:off x="504720" y="303120"/>
-            <a:ext cx="9072000" cy="1028445"/>
-          </a:xfrm>
-        </p:spPr>
+        <p:spPr/>
         <p:txBody>
           <a:bodyPr/>
           <a:lstStyle/>
@@ -13513,7 +13508,7 @@
         </p:nvSpPr>
         <p:spPr>
           <a:xfrm>
-            <a:off x="503808" y="1403573"/>
+            <a:off x="503808" y="1475581"/>
             <a:ext cx="9068760" cy="4382280"/>
           </a:xfrm>
         </p:spPr>
@@ -13571,18 +13566,13 @@
             <p:ph type="title"/>
           </p:nvPr>
         </p:nvSpPr>
-        <p:spPr>
-          <a:xfrm>
-            <a:off x="504720" y="303120"/>
-            <a:ext cx="9072000" cy="1100453"/>
-          </a:xfrm>
-        </p:spPr>
+        <p:spPr/>
         <p:txBody>
           <a:bodyPr/>
           <a:lstStyle/>
           <a:p>
             <a:r>
-              <a:rPr lang="pt-BR" sz="3000" strike="noStrike" spc="-1" dirty="0" smtClean="0">
+              <a:rPr lang="pt-BR" sz="3000" strike="noStrike" spc="-1" smtClean="0">
                 <a:solidFill>
                   <a:srgbClr val="000000"/>
                 </a:solidFill>
@@ -13597,7 +13587,7 @@
               <a:t>RESULTADOS: </a:t>
             </a:r>
             <a:r>
-              <a:rPr lang="pt-BR" sz="3000" b="1" strike="noStrike" spc="-1" dirty="0" err="1" smtClean="0">
+              <a:rPr lang="pt-BR" sz="3000" b="1" strike="noStrike" spc="-1" smtClean="0">
                 <a:solidFill>
                   <a:srgbClr val="000000"/>
                 </a:solidFill>
@@ -13609,37 +13599,7 @@
                 <a:latin typeface="Century Schoolbook" pitchFamily="18" charset="0"/>
                 <a:ea typeface="DejaVu Sans"/>
               </a:rPr>
-              <a:t>Moderate</a:t>
-            </a:r>
-            <a:r>
-              <a:rPr lang="pt-BR" sz="3000" b="1" strike="noStrike" spc="-1" dirty="0" smtClean="0">
-                <a:solidFill>
-                  <a:srgbClr val="000000"/>
-                </a:solidFill>
-                <a:uFill>
-                  <a:solidFill>
-                    <a:srgbClr val="FFFFFF"/>
-                  </a:solidFill>
-                </a:uFill>
-                <a:latin typeface="Century Schoolbook" pitchFamily="18" charset="0"/>
-                <a:ea typeface="DejaVu Sans"/>
-              </a:rPr>
-              <a:t> </a:t>
-            </a:r>
-            <a:r>
-              <a:rPr lang="pt-BR" sz="3000" b="1" strike="noStrike" spc="-1" dirty="0" err="1" smtClean="0">
-                <a:solidFill>
-                  <a:srgbClr val="000000"/>
-                </a:solidFill>
-                <a:uFill>
-                  <a:solidFill>
-                    <a:srgbClr val="FFFFFF"/>
-                  </a:solidFill>
-                </a:uFill>
-                <a:latin typeface="Century Schoolbook" pitchFamily="18" charset="0"/>
-                <a:ea typeface="DejaVu Sans"/>
-              </a:rPr>
-              <a:t>Dysplastic</a:t>
+              <a:t>Moderate Dysplastic</a:t>
             </a:r>
             <a:endParaRPr lang="pt-BR" sz="3000" b="1" dirty="0">
               <a:latin typeface="Century Schoolbook" pitchFamily="18" charset="0"/>
@@ -15491,12 +15451,7 @@
             <p:ph type="title"/>
           </p:nvPr>
         </p:nvSpPr>
-        <p:spPr>
-          <a:xfrm>
-            <a:off x="504720" y="303120"/>
-            <a:ext cx="9072000" cy="1100453"/>
-          </a:xfrm>
-        </p:spPr>
+        <p:spPr/>
         <p:txBody>
           <a:bodyPr/>
           <a:lstStyle/>

--- a/trabalho 6/apresentacao.pptx
+++ b/trabalho 6/apresentacao.pptx
@@ -7,7 +7,7 @@
     <p:sldMasterId id="2147483674" r:id="rId3"/>
   </p:sldMasterIdLst>
   <p:notesMasterIdLst>
-    <p:notesMasterId r:id="rId27"/>
+    <p:notesMasterId r:id="rId30"/>
   </p:notesMasterIdLst>
   <p:sldIdLst>
     <p:sldId id="256" r:id="rId4"/>
@@ -23,16 +23,19 @@
     <p:sldId id="266" r:id="rId14"/>
     <p:sldId id="268" r:id="rId15"/>
     <p:sldId id="270" r:id="rId16"/>
-    <p:sldId id="269" r:id="rId17"/>
-    <p:sldId id="275" r:id="rId18"/>
-    <p:sldId id="271" r:id="rId19"/>
-    <p:sldId id="272" r:id="rId20"/>
-    <p:sldId id="276" r:id="rId21"/>
-    <p:sldId id="273" r:id="rId22"/>
-    <p:sldId id="274" r:id="rId23"/>
-    <p:sldId id="277" r:id="rId24"/>
-    <p:sldId id="278" r:id="rId25"/>
-    <p:sldId id="279" r:id="rId26"/>
+    <p:sldId id="281" r:id="rId17"/>
+    <p:sldId id="269" r:id="rId18"/>
+    <p:sldId id="275" r:id="rId19"/>
+    <p:sldId id="271" r:id="rId20"/>
+    <p:sldId id="272" r:id="rId21"/>
+    <p:sldId id="276" r:id="rId22"/>
+    <p:sldId id="273" r:id="rId23"/>
+    <p:sldId id="274" r:id="rId24"/>
+    <p:sldId id="277" r:id="rId25"/>
+    <p:sldId id="280" r:id="rId26"/>
+    <p:sldId id="282" r:id="rId27"/>
+    <p:sldId id="278" r:id="rId28"/>
+    <p:sldId id="279" r:id="rId29"/>
   </p:sldIdLst>
   <p:sldSz cx="10080625" cy="7559675"/>
   <p:notesSz cx="7559675" cy="10691813"/>
@@ -354,7 +357,7 @@
                 <a:latin typeface="Times New Roman"/>
               </a:rPr>
               <a:pPr algn="r"/>
-              <a:t>‹nº›</a:t>
+              <a:t>‹#›</a:t>
             </a:fld>
             <a:endParaRPr lang="pt-BR" sz="1400" strike="noStrike" spc="-1">
               <a:solidFill>
@@ -371,6 +374,11 @@
         </p:txBody>
       </p:sp>
     </p:spTree>
+    <p:extLst>
+      <p:ext uri="{BB962C8B-B14F-4D97-AF65-F5344CB8AC3E}">
+        <p14:creationId xmlns:p14="http://schemas.microsoft.com/office/powerpoint/2010/main" val="3082282834"/>
+      </p:ext>
+    </p:extLst>
   </p:cSld>
   <p:clrMap bg1="lt1" tx1="dk1" bg2="lt2" tx2="dk2" accent1="accent1" accent2="accent2" accent3="accent3" accent4="accent4" accent5="accent5" accent6="accent6" hlink="hlink" folHlink="folHlink"/>
   <p:notesStyle>
@@ -970,6 +978,278 @@
       <p:sp>
         <p:nvSpPr>
           <p:cNvPr id="200" name="PlaceHolder 2"/>
+          <p:cNvSpPr>
+            <a:spLocks noGrp="1"/>
+          </p:cNvSpPr>
+          <p:nvPr>
+            <p:ph type="body"/>
+          </p:nvPr>
+        </p:nvSpPr>
+        <p:spPr>
+          <a:xfrm>
+            <a:off x="755640" y="5078520"/>
+            <a:ext cx="6047640" cy="4811040"/>
+          </a:xfrm>
+          <a:prstGeom prst="rect">
+            <a:avLst/>
+          </a:prstGeom>
+        </p:spPr>
+        <p:txBody>
+          <a:bodyPr lIns="0" tIns="0" rIns="0" bIns="0" anchor="ctr"/>
+          <a:lstStyle/>
+          <a:p>
+            <a:endParaRPr lang="pt-BR" sz="2000" strike="noStrike" spc="-1">
+              <a:solidFill>
+                <a:srgbClr val="000000"/>
+              </a:solidFill>
+              <a:uFill>
+                <a:solidFill>
+                  <a:srgbClr val="FFFFFF"/>
+                </a:solidFill>
+              </a:uFill>
+              <a:latin typeface="Arial"/>
+            </a:endParaRPr>
+          </a:p>
+        </p:txBody>
+      </p:sp>
+    </p:spTree>
+  </p:cSld>
+  <p:clrMapOvr>
+    <a:masterClrMapping/>
+  </p:clrMapOvr>
+</p:notes>
+</file>
+
+<file path=ppt/notesSlides/notesSlide13.xml><?xml version="1.0" encoding="utf-8"?>
+<p:notes xmlns:a="http://schemas.openxmlformats.org/drawingml/2006/main" xmlns:r="http://schemas.openxmlformats.org/officeDocument/2006/relationships" xmlns:p="http://schemas.openxmlformats.org/presentationml/2006/main">
+  <p:cSld>
+    <p:spTree>
+      <p:nvGrpSpPr>
+        <p:cNvPr id="1" name=""/>
+        <p:cNvGrpSpPr/>
+        <p:nvPr/>
+      </p:nvGrpSpPr>
+      <p:grpSpPr>
+        <a:xfrm>
+          <a:off x="0" y="0"/>
+          <a:ext cx="0" cy="0"/>
+          <a:chOff x="0" y="0"/>
+          <a:chExt cx="0" cy="0"/>
+        </a:xfrm>
+      </p:grpSpPr>
+      <p:sp>
+        <p:nvSpPr>
+          <p:cNvPr id="191" name="CustomShape 1"/>
+          <p:cNvSpPr/>
+          <p:nvPr/>
+        </p:nvSpPr>
+        <p:spPr>
+          <a:xfrm>
+            <a:off x="4280040" y="10156680"/>
+            <a:ext cx="3277440" cy="532800"/>
+          </a:xfrm>
+          <a:prstGeom prst="rect">
+            <a:avLst/>
+          </a:prstGeom>
+          <a:noFill/>
+          <a:ln w="9360">
+            <a:noFill/>
+          </a:ln>
+        </p:spPr>
+        <p:style>
+          <a:lnRef idx="0">
+            <a:scrgbClr r="0" g="0" b="0"/>
+          </a:lnRef>
+          <a:fillRef idx="0">
+            <a:scrgbClr r="0" g="0" b="0"/>
+          </a:fillRef>
+          <a:effectRef idx="0">
+            <a:scrgbClr r="0" g="0" b="0"/>
+          </a:effectRef>
+          <a:fontRef idx="minor"/>
+        </p:style>
+        <p:txBody>
+          <a:bodyPr lIns="0" tIns="0" rIns="0" bIns="0" anchor="b"/>
+          <a:lstStyle/>
+          <a:p>
+            <a:pPr algn="r">
+              <a:lnSpc>
+                <a:spcPct val="93000"/>
+              </a:lnSpc>
+            </a:pPr>
+            <a:fld id="{58E99A4C-DF67-4DA5-82F9-4DA2F3A94749}" type="slidenum">
+              <a:rPr lang="pt-BR" sz="1400" strike="noStrike" spc="-1">
+                <a:solidFill>
+                  <a:srgbClr val="000000"/>
+                </a:solidFill>
+                <a:uFill>
+                  <a:solidFill>
+                    <a:srgbClr val="FFFFFF"/>
+                  </a:solidFill>
+                </a:uFill>
+                <a:latin typeface="Times New Roman"/>
+                <a:ea typeface="DejaVu Sans"/>
+              </a:rPr>
+              <a:pPr algn="r">
+                <a:lnSpc>
+                  <a:spcPct val="93000"/>
+                </a:lnSpc>
+              </a:pPr>
+              <a:t>23</a:t>
+            </a:fld>
+            <a:endParaRPr lang="pt-BR" sz="1800" strike="noStrike" spc="-1">
+              <a:solidFill>
+                <a:srgbClr val="000000"/>
+              </a:solidFill>
+              <a:uFill>
+                <a:solidFill>
+                  <a:srgbClr val="FFFFFF"/>
+                </a:solidFill>
+              </a:uFill>
+              <a:latin typeface="Arial"/>
+            </a:endParaRPr>
+          </a:p>
+        </p:txBody>
+      </p:sp>
+      <p:sp>
+        <p:nvSpPr>
+          <p:cNvPr id="192" name="PlaceHolder 2"/>
+          <p:cNvSpPr>
+            <a:spLocks noGrp="1"/>
+          </p:cNvSpPr>
+          <p:nvPr>
+            <p:ph type="body"/>
+          </p:nvPr>
+        </p:nvSpPr>
+        <p:spPr>
+          <a:xfrm>
+            <a:off x="755640" y="5078520"/>
+            <a:ext cx="6047640" cy="4811040"/>
+          </a:xfrm>
+          <a:prstGeom prst="rect">
+            <a:avLst/>
+          </a:prstGeom>
+        </p:spPr>
+        <p:txBody>
+          <a:bodyPr lIns="0" tIns="0" rIns="0" bIns="0" anchor="ctr"/>
+          <a:lstStyle/>
+          <a:p>
+            <a:endParaRPr lang="pt-BR" sz="2000" strike="noStrike" spc="-1">
+              <a:solidFill>
+                <a:srgbClr val="000000"/>
+              </a:solidFill>
+              <a:uFill>
+                <a:solidFill>
+                  <a:srgbClr val="FFFFFF"/>
+                </a:solidFill>
+              </a:uFill>
+              <a:latin typeface="Arial"/>
+            </a:endParaRPr>
+          </a:p>
+        </p:txBody>
+      </p:sp>
+    </p:spTree>
+  </p:cSld>
+  <p:clrMapOvr>
+    <a:masterClrMapping/>
+  </p:clrMapOvr>
+</p:notes>
+</file>
+
+<file path=ppt/notesSlides/notesSlide14.xml><?xml version="1.0" encoding="utf-8"?>
+<p:notes xmlns:a="http://schemas.openxmlformats.org/drawingml/2006/main" xmlns:r="http://schemas.openxmlformats.org/officeDocument/2006/relationships" xmlns:p="http://schemas.openxmlformats.org/presentationml/2006/main">
+  <p:cSld>
+    <p:spTree>
+      <p:nvGrpSpPr>
+        <p:cNvPr id="1" name=""/>
+        <p:cNvGrpSpPr/>
+        <p:nvPr/>
+      </p:nvGrpSpPr>
+      <p:grpSpPr>
+        <a:xfrm>
+          <a:off x="0" y="0"/>
+          <a:ext cx="0" cy="0"/>
+          <a:chOff x="0" y="0"/>
+          <a:chExt cx="0" cy="0"/>
+        </a:xfrm>
+      </p:grpSpPr>
+      <p:sp>
+        <p:nvSpPr>
+          <p:cNvPr id="191" name="CustomShape 1"/>
+          <p:cNvSpPr/>
+          <p:nvPr/>
+        </p:nvSpPr>
+        <p:spPr>
+          <a:xfrm>
+            <a:off x="4280040" y="10156680"/>
+            <a:ext cx="3277440" cy="532800"/>
+          </a:xfrm>
+          <a:prstGeom prst="rect">
+            <a:avLst/>
+          </a:prstGeom>
+          <a:noFill/>
+          <a:ln w="9360">
+            <a:noFill/>
+          </a:ln>
+        </p:spPr>
+        <p:style>
+          <a:lnRef idx="0">
+            <a:scrgbClr r="0" g="0" b="0"/>
+          </a:lnRef>
+          <a:fillRef idx="0">
+            <a:scrgbClr r="0" g="0" b="0"/>
+          </a:fillRef>
+          <a:effectRef idx="0">
+            <a:scrgbClr r="0" g="0" b="0"/>
+          </a:effectRef>
+          <a:fontRef idx="minor"/>
+        </p:style>
+        <p:txBody>
+          <a:bodyPr lIns="0" tIns="0" rIns="0" bIns="0" anchor="b"/>
+          <a:lstStyle/>
+          <a:p>
+            <a:pPr algn="r">
+              <a:lnSpc>
+                <a:spcPct val="93000"/>
+              </a:lnSpc>
+            </a:pPr>
+            <a:fld id="{58E99A4C-DF67-4DA5-82F9-4DA2F3A94749}" type="slidenum">
+              <a:rPr lang="pt-BR" sz="1400" strike="noStrike" spc="-1">
+                <a:solidFill>
+                  <a:srgbClr val="000000"/>
+                </a:solidFill>
+                <a:uFill>
+                  <a:solidFill>
+                    <a:srgbClr val="FFFFFF"/>
+                  </a:solidFill>
+                </a:uFill>
+                <a:latin typeface="Times New Roman"/>
+                <a:ea typeface="DejaVu Sans"/>
+              </a:rPr>
+              <a:pPr algn="r">
+                <a:lnSpc>
+                  <a:spcPct val="93000"/>
+                </a:lnSpc>
+              </a:pPr>
+              <a:t>24</a:t>
+            </a:fld>
+            <a:endParaRPr lang="pt-BR" sz="1800" strike="noStrike" spc="-1">
+              <a:solidFill>
+                <a:srgbClr val="000000"/>
+              </a:solidFill>
+              <a:uFill>
+                <a:solidFill>
+                  <a:srgbClr val="FFFFFF"/>
+                </a:solidFill>
+              </a:uFill>
+              <a:latin typeface="Arial"/>
+            </a:endParaRPr>
+          </a:p>
+        </p:txBody>
+      </p:sp>
+      <p:sp>
+        <p:nvSpPr>
+          <p:cNvPr id="192" name="PlaceHolder 2"/>
           <p:cNvSpPr>
             <a:spLocks noGrp="1"/>
           </p:cNvSpPr>
@@ -9274,7 +9554,7 @@
   <p:timing>
     <p:tnLst>
       <p:par>
-        <p:cTn id="1" dur="indefinite" restart="never" nodeType="tmRoot">
+        <p:cTn xmlns:p14="http://schemas.microsoft.com/office/powerpoint/2010/main" id="1" dur="indefinite" restart="never" nodeType="tmRoot">
           <p:childTnLst>
             <p:seq>
               <p:cTn id="2" nodeType="mainSeq"/>
@@ -9538,7 +9818,7 @@
   <p:timing>
     <p:tnLst>
       <p:par>
-        <p:cTn id="1" dur="indefinite" restart="never" nodeType="tmRoot">
+        <p:cTn xmlns:p14="http://schemas.microsoft.com/office/powerpoint/2010/main" id="1" dur="indefinite" restart="never" nodeType="tmRoot">
           <p:childTnLst>
             <p:seq>
               <p:cTn id="2" nodeType="mainSeq"/>
@@ -9972,7 +10252,7 @@
   <p:timing>
     <p:tnLst>
       <p:par>
-        <p:cTn id="1" dur="indefinite" restart="never" nodeType="tmRoot">
+        <p:cTn xmlns:p14="http://schemas.microsoft.com/office/powerpoint/2010/main" id="1" dur="indefinite" restart="never" nodeType="tmRoot">
           <p:childTnLst>
             <p:seq>
               <p:cTn id="2" nodeType="mainSeq"/>
@@ -10958,7 +11238,7 @@
   <p:timing>
     <p:tnLst>
       <p:par>
-        <p:cTn id="1" dur="indefinite" restart="never" nodeType="tmRoot">
+        <p:cTn xmlns:p14="http://schemas.microsoft.com/office/powerpoint/2010/main" id="1" dur="indefinite" restart="never" nodeType="tmRoot">
           <p:childTnLst>
             <p:seq>
               <p:cTn id="2" nodeType="mainSeq"/>
@@ -11012,7 +11292,12 @@
             <p:ph type="body"/>
           </p:nvPr>
         </p:nvSpPr>
-        <p:spPr/>
+        <p:spPr>
+          <a:xfrm>
+            <a:off x="287784" y="1907629"/>
+            <a:ext cx="9072000" cy="3888432"/>
+          </a:xfrm>
+        </p:spPr>
         <p:txBody>
           <a:bodyPr/>
           <a:lstStyle/>
@@ -11029,33 +11314,348 @@
               <a:buChar char=""/>
             </a:pPr>
             <a:r>
-              <a:rPr lang="pt-BR" sz="2400" spc="-1" dirty="0">
-                <a:solidFill>
-                  <a:srgbClr val="000000"/>
-                </a:solidFill>
-                <a:uFill>
-                  <a:solidFill>
-                    <a:srgbClr val="FFFFFF"/>
-                  </a:solidFill>
-                </a:uFill>
-                <a:latin typeface="Century Schoolbook" pitchFamily="18" charset="0"/>
-              </a:rPr>
-              <a:t>M</a:t>
-            </a:r>
-            <a:r>
-              <a:rPr lang="pt-BR" sz="2400" strike="noStrike" spc="-1" dirty="0" smtClean="0">
-                <a:solidFill>
-                  <a:srgbClr val="000000"/>
-                </a:solidFill>
-                <a:uFill>
-                  <a:solidFill>
-                    <a:srgbClr val="FFFFFF"/>
-                  </a:solidFill>
-                </a:uFill>
-                <a:latin typeface="Century Schoolbook" pitchFamily="18" charset="0"/>
-              </a:rPr>
-              <a:t>édia aritmética das bandas RGB</a:t>
-            </a:r>
+              <a:rPr lang="pt-BR" sz="2400" spc="-1" dirty="0" smtClean="0">
+                <a:solidFill>
+                  <a:srgbClr val="000000"/>
+                </a:solidFill>
+                <a:uFill>
+                  <a:solidFill>
+                    <a:srgbClr val="FFFFFF"/>
+                  </a:solidFill>
+                </a:uFill>
+                <a:latin typeface="Century Schoolbook" pitchFamily="18" charset="0"/>
+              </a:rPr>
+              <a:t>Utilizaremos o </a:t>
+            </a:r>
+            <a:r>
+              <a:rPr lang="pt-BR" sz="2400" spc="-1" dirty="0" smtClean="0">
+                <a:solidFill>
+                  <a:srgbClr val="000000"/>
+                </a:solidFill>
+                <a:uFill>
+                  <a:solidFill>
+                    <a:srgbClr val="FFFFFF"/>
+                  </a:solidFill>
+                </a:uFill>
+                <a:latin typeface="Century Schoolbook" pitchFamily="18" charset="0"/>
+              </a:rPr>
+              <a:t>Índice de </a:t>
+            </a:r>
+            <a:r>
+              <a:rPr lang="pt-BR" sz="2400" spc="-1" dirty="0" err="1" smtClean="0">
+                <a:solidFill>
+                  <a:srgbClr val="000000"/>
+                </a:solidFill>
+                <a:uFill>
+                  <a:solidFill>
+                    <a:srgbClr val="FFFFFF"/>
+                  </a:solidFill>
+                </a:uFill>
+                <a:latin typeface="Century Schoolbook" pitchFamily="18" charset="0"/>
+              </a:rPr>
+              <a:t>Dice</a:t>
+            </a:r>
+            <a:r>
+              <a:rPr lang="pt-BR" sz="2400" spc="-1" dirty="0" smtClean="0">
+                <a:solidFill>
+                  <a:srgbClr val="000000"/>
+                </a:solidFill>
+                <a:uFill>
+                  <a:solidFill>
+                    <a:srgbClr val="FFFFFF"/>
+                  </a:solidFill>
+                </a:uFill>
+                <a:latin typeface="Century Schoolbook" pitchFamily="18" charset="0"/>
+              </a:rPr>
+              <a:t> para fazer uma comparação entre os algoritmos de segmentação. </a:t>
+            </a:r>
+          </a:p>
+          <a:p>
+            <a:pPr marL="432000" indent="-323640" algn="just">
+              <a:lnSpc>
+                <a:spcPct val="100000"/>
+              </a:lnSpc>
+              <a:buClr>
+                <a:srgbClr val="000000"/>
+              </a:buClr>
+              <a:buSzPct val="45000"/>
+              <a:buFont typeface="Wingdings" charset="2"/>
+              <a:buChar char=""/>
+            </a:pPr>
+            <a:endParaRPr lang="pt-BR" sz="2400" spc="-1" dirty="0" smtClean="0">
+              <a:solidFill>
+                <a:srgbClr val="000000"/>
+              </a:solidFill>
+              <a:uFill>
+                <a:solidFill>
+                  <a:srgbClr val="FFFFFF"/>
+                </a:solidFill>
+              </a:uFill>
+              <a:latin typeface="Century Schoolbook" pitchFamily="18" charset="0"/>
+            </a:endParaRPr>
+          </a:p>
+          <a:p>
+            <a:pPr marL="432000" indent="-323640" algn="just">
+              <a:lnSpc>
+                <a:spcPct val="100000"/>
+              </a:lnSpc>
+              <a:buClr>
+                <a:srgbClr val="000000"/>
+              </a:buClr>
+              <a:buSzPct val="45000"/>
+              <a:buFont typeface="Wingdings" charset="2"/>
+              <a:buChar char=""/>
+            </a:pPr>
+            <a:r>
+              <a:rPr lang="pt-BR" sz="2400" spc="-1" dirty="0" smtClean="0">
+                <a:solidFill>
+                  <a:srgbClr val="000000"/>
+                </a:solidFill>
+                <a:uFill>
+                  <a:solidFill>
+                    <a:srgbClr val="FFFFFF"/>
+                  </a:solidFill>
+                </a:uFill>
+                <a:latin typeface="Century Schoolbook" pitchFamily="18" charset="0"/>
+              </a:rPr>
+              <a:t>Foram analisadas três classes de células: Carcinoma, </a:t>
+            </a:r>
+            <a:r>
+              <a:rPr lang="pt-BR" sz="2400" spc="-1" dirty="0" err="1" smtClean="0">
+                <a:solidFill>
+                  <a:srgbClr val="000000"/>
+                </a:solidFill>
+                <a:uFill>
+                  <a:solidFill>
+                    <a:srgbClr val="FFFFFF"/>
+                  </a:solidFill>
+                </a:uFill>
+                <a:latin typeface="Century Schoolbook" pitchFamily="18" charset="0"/>
+              </a:rPr>
+              <a:t>Dyaplastic</a:t>
+            </a:r>
+            <a:r>
+              <a:rPr lang="pt-BR" sz="2400" spc="-1" dirty="0" smtClean="0">
+                <a:solidFill>
+                  <a:srgbClr val="000000"/>
+                </a:solidFill>
+                <a:uFill>
+                  <a:solidFill>
+                    <a:srgbClr val="FFFFFF"/>
+                  </a:solidFill>
+                </a:uFill>
+                <a:latin typeface="Century Schoolbook" pitchFamily="18" charset="0"/>
+              </a:rPr>
+              <a:t> </a:t>
+            </a:r>
+            <a:r>
+              <a:rPr lang="pt-BR" sz="2400" spc="-1" dirty="0" err="1" smtClean="0">
+                <a:solidFill>
+                  <a:srgbClr val="000000"/>
+                </a:solidFill>
+                <a:uFill>
+                  <a:solidFill>
+                    <a:srgbClr val="FFFFFF"/>
+                  </a:solidFill>
+                </a:uFill>
+                <a:latin typeface="Century Schoolbook" pitchFamily="18" charset="0"/>
+              </a:rPr>
+              <a:t>Moderate</a:t>
+            </a:r>
+            <a:r>
+              <a:rPr lang="pt-BR" sz="2400" spc="-1" dirty="0" smtClean="0">
+                <a:solidFill>
+                  <a:srgbClr val="000000"/>
+                </a:solidFill>
+                <a:uFill>
+                  <a:solidFill>
+                    <a:srgbClr val="FFFFFF"/>
+                  </a:solidFill>
+                </a:uFill>
+                <a:latin typeface="Century Schoolbook" pitchFamily="18" charset="0"/>
+              </a:rPr>
+              <a:t> e Normal </a:t>
+            </a:r>
+            <a:r>
+              <a:rPr lang="pt-BR" sz="2400" spc="-1" dirty="0" err="1" smtClean="0">
+                <a:solidFill>
+                  <a:srgbClr val="000000"/>
+                </a:solidFill>
+                <a:uFill>
+                  <a:solidFill>
+                    <a:srgbClr val="FFFFFF"/>
+                  </a:solidFill>
+                </a:uFill>
+                <a:latin typeface="Century Schoolbook" pitchFamily="18" charset="0"/>
+              </a:rPr>
+              <a:t>Intermediate</a:t>
+            </a:r>
+            <a:r>
+              <a:rPr lang="pt-BR" sz="2400" spc="-1" dirty="0" smtClean="0">
+                <a:solidFill>
+                  <a:srgbClr val="000000"/>
+                </a:solidFill>
+                <a:uFill>
+                  <a:solidFill>
+                    <a:srgbClr val="FFFFFF"/>
+                  </a:solidFill>
+                </a:uFill>
+                <a:latin typeface="Century Schoolbook" pitchFamily="18" charset="0"/>
+              </a:rPr>
+              <a:t>.</a:t>
+            </a:r>
+          </a:p>
+          <a:p>
+            <a:pPr marL="432000" indent="-323640" algn="just">
+              <a:lnSpc>
+                <a:spcPct val="100000"/>
+              </a:lnSpc>
+              <a:buClr>
+                <a:srgbClr val="000000"/>
+              </a:buClr>
+              <a:buSzPct val="45000"/>
+              <a:buFont typeface="Wingdings" charset="2"/>
+              <a:buChar char=""/>
+            </a:pPr>
+            <a:endParaRPr lang="pt-BR" sz="2400" spc="-1" dirty="0" smtClean="0">
+              <a:solidFill>
+                <a:srgbClr val="000000"/>
+              </a:solidFill>
+              <a:uFill>
+                <a:solidFill>
+                  <a:srgbClr val="FFFFFF"/>
+                </a:solidFill>
+              </a:uFill>
+              <a:latin typeface="Century Schoolbook" pitchFamily="18" charset="0"/>
+            </a:endParaRPr>
+          </a:p>
+          <a:p>
+            <a:pPr marL="432000" indent="-323640" algn="just">
+              <a:buClr>
+                <a:srgbClr val="000000"/>
+              </a:buClr>
+              <a:buSzPct val="45000"/>
+              <a:buFont typeface="Wingdings" charset="2"/>
+              <a:buChar char=""/>
+            </a:pPr>
+            <a:r>
+              <a:rPr lang="pt-BR" sz="2400" spc="-1" dirty="0" smtClean="0">
+                <a:solidFill>
+                  <a:srgbClr val="000000"/>
+                </a:solidFill>
+                <a:uFill>
+                  <a:solidFill>
+                    <a:srgbClr val="FFFFFF"/>
+                  </a:solidFill>
+                </a:uFill>
+                <a:latin typeface="Century Schoolbook" pitchFamily="18" charset="0"/>
+              </a:rPr>
+              <a:t>Os valores de </a:t>
+            </a:r>
+            <a:r>
+              <a:rPr lang="pt-BR" sz="2400" spc="-1" dirty="0" err="1">
+                <a:solidFill>
+                  <a:srgbClr val="000000"/>
+                </a:solidFill>
+                <a:uFill>
+                  <a:solidFill>
+                    <a:srgbClr val="FFFFFF"/>
+                  </a:solidFill>
+                </a:uFill>
+                <a:latin typeface="Century Schoolbook" pitchFamily="18" charset="0"/>
+              </a:rPr>
+              <a:t>P</a:t>
+            </a:r>
+            <a:r>
+              <a:rPr lang="pt-BR" sz="2400" spc="-1" dirty="0" err="1" smtClean="0">
+                <a:solidFill>
+                  <a:srgbClr val="000000"/>
+                </a:solidFill>
+                <a:uFill>
+                  <a:solidFill>
+                    <a:srgbClr val="FFFFFF"/>
+                  </a:solidFill>
+                </a:uFill>
+                <a:latin typeface="Century Schoolbook" pitchFamily="18" charset="0"/>
+              </a:rPr>
+              <a:t>recision</a:t>
+            </a:r>
+            <a:r>
+              <a:rPr lang="pt-BR" sz="2400" spc="-1" dirty="0" smtClean="0">
+                <a:solidFill>
+                  <a:srgbClr val="000000"/>
+                </a:solidFill>
+                <a:uFill>
+                  <a:solidFill>
+                    <a:srgbClr val="FFFFFF"/>
+                  </a:solidFill>
+                </a:uFill>
+                <a:latin typeface="Century Schoolbook" pitchFamily="18" charset="0"/>
+              </a:rPr>
+              <a:t> e Recall podem ser visualizados nas planilhas que se encontram na mesma pasta desta apresenta</a:t>
+            </a:r>
+            <a:r>
+              <a:rPr lang="pt-BR" sz="2400" spc="-1" dirty="0" smtClean="0">
+                <a:solidFill>
+                  <a:srgbClr val="000000"/>
+                </a:solidFill>
+                <a:uFill>
+                  <a:solidFill>
+                    <a:srgbClr val="FFFFFF"/>
+                  </a:solidFill>
+                </a:uFill>
+                <a:latin typeface="Century Schoolbook" pitchFamily="18" charset="0"/>
+              </a:rPr>
+              <a:t>ção.</a:t>
+            </a:r>
+            <a:endParaRPr lang="pt-BR" sz="2400" spc="-1" dirty="0" smtClean="0">
+              <a:solidFill>
+                <a:srgbClr val="000000"/>
+              </a:solidFill>
+              <a:uFill>
+                <a:solidFill>
+                  <a:srgbClr val="FFFFFF"/>
+                </a:solidFill>
+              </a:uFill>
+              <a:latin typeface="Century Schoolbook" pitchFamily="18" charset="0"/>
+            </a:endParaRPr>
+          </a:p>
+          <a:p>
+            <a:pPr marL="432000" indent="-323640" algn="just">
+              <a:lnSpc>
+                <a:spcPct val="100000"/>
+              </a:lnSpc>
+              <a:buClr>
+                <a:srgbClr val="000000"/>
+              </a:buClr>
+              <a:buSzPct val="45000"/>
+              <a:buFont typeface="Wingdings" charset="2"/>
+              <a:buChar char=""/>
+            </a:pPr>
+            <a:endParaRPr lang="pt-BR" sz="2400" spc="-1" dirty="0" smtClean="0">
+              <a:solidFill>
+                <a:srgbClr val="000000"/>
+              </a:solidFill>
+              <a:uFill>
+                <a:solidFill>
+                  <a:srgbClr val="FFFFFF"/>
+                </a:solidFill>
+              </a:uFill>
+              <a:latin typeface="Century Schoolbook" pitchFamily="18" charset="0"/>
+            </a:endParaRPr>
+          </a:p>
+          <a:p>
+            <a:pPr marL="432000" indent="-323640" algn="just">
+              <a:lnSpc>
+                <a:spcPct val="100000"/>
+              </a:lnSpc>
+              <a:buClr>
+                <a:srgbClr val="000000"/>
+              </a:buClr>
+              <a:buSzPct val="45000"/>
+              <a:buFont typeface="Wingdings" charset="2"/>
+              <a:buChar char=""/>
+            </a:pPr>
             <a:endParaRPr lang="pt-BR" sz="2400" spc="-1" dirty="0" smtClean="0">
               <a:solidFill>
                 <a:srgbClr val="000000"/>
@@ -11080,7 +11680,158 @@
             <p:ph type="title"/>
           </p:nvPr>
         </p:nvSpPr>
-        <p:spPr/>
+        <p:spPr>
+          <a:xfrm>
+            <a:off x="359792" y="179437"/>
+            <a:ext cx="9072000" cy="1258200"/>
+          </a:xfrm>
+        </p:spPr>
+        <p:txBody>
+          <a:bodyPr/>
+          <a:lstStyle/>
+          <a:p>
+            <a:r>
+              <a:rPr lang="pt-BR" sz="3000" strike="noStrike" spc="-1" dirty="0" smtClean="0">
+                <a:solidFill>
+                  <a:srgbClr val="000000"/>
+                </a:solidFill>
+                <a:uFill>
+                  <a:solidFill>
+                    <a:srgbClr val="FFFFFF"/>
+                  </a:solidFill>
+                </a:uFill>
+                <a:latin typeface="Century Schoolbook" pitchFamily="18" charset="0"/>
+                <a:ea typeface="DejaVu Sans"/>
+              </a:rPr>
+              <a:t>RESULTADOS</a:t>
+            </a:r>
+            <a:endParaRPr lang="pt-BR" sz="3000" dirty="0">
+              <a:latin typeface="Century Schoolbook" pitchFamily="18" charset="0"/>
+            </a:endParaRPr>
+          </a:p>
+        </p:txBody>
+      </p:sp>
+    </p:spTree>
+  </p:cSld>
+  <p:clrMapOvr>
+    <a:masterClrMapping/>
+  </p:clrMapOvr>
+  <p:timing>
+    <p:tnLst>
+      <p:par>
+        <p:cTn xmlns:p14="http://schemas.microsoft.com/office/powerpoint/2010/main" id="1" dur="indefinite" restart="never" nodeType="tmRoot"/>
+      </p:par>
+    </p:tnLst>
+  </p:timing>
+</p:sld>
+</file>
+
+<file path=ppt/slides/slide14.xml><?xml version="1.0" encoding="utf-8"?>
+<p:sld xmlns:a="http://schemas.openxmlformats.org/drawingml/2006/main" xmlns:r="http://schemas.openxmlformats.org/officeDocument/2006/relationships" xmlns:p="http://schemas.openxmlformats.org/presentationml/2006/main">
+  <p:cSld>
+    <p:spTree>
+      <p:nvGrpSpPr>
+        <p:cNvPr id="1" name=""/>
+        <p:cNvGrpSpPr/>
+        <p:nvPr/>
+      </p:nvGrpSpPr>
+      <p:grpSpPr>
+        <a:xfrm>
+          <a:off x="0" y="0"/>
+          <a:ext cx="0" cy="0"/>
+          <a:chOff x="0" y="0"/>
+          <a:chExt cx="0" cy="0"/>
+        </a:xfrm>
+      </p:grpSpPr>
+      <p:sp>
+        <p:nvSpPr>
+          <p:cNvPr id="6" name="Espaço Reservado para Texto 5"/>
+          <p:cNvSpPr>
+            <a:spLocks noGrp="1"/>
+          </p:cNvSpPr>
+          <p:nvPr>
+            <p:ph type="body"/>
+          </p:nvPr>
+        </p:nvSpPr>
+        <p:spPr>
+          <a:xfrm>
+            <a:off x="359792" y="1259557"/>
+            <a:ext cx="9072000" cy="1258200"/>
+          </a:xfrm>
+        </p:spPr>
+        <p:txBody>
+          <a:bodyPr/>
+          <a:lstStyle/>
+          <a:p>
+            <a:pPr marL="432000" indent="-323640" algn="just">
+              <a:lnSpc>
+                <a:spcPct val="100000"/>
+              </a:lnSpc>
+              <a:buClr>
+                <a:srgbClr val="000000"/>
+              </a:buClr>
+              <a:buSzPct val="45000"/>
+              <a:buFont typeface="Wingdings" charset="2"/>
+              <a:buChar char=""/>
+            </a:pPr>
+            <a:r>
+              <a:rPr lang="pt-BR" sz="2400" spc="-1" dirty="0">
+                <a:solidFill>
+                  <a:srgbClr val="000000"/>
+                </a:solidFill>
+                <a:uFill>
+                  <a:solidFill>
+                    <a:srgbClr val="FFFFFF"/>
+                  </a:solidFill>
+                </a:uFill>
+                <a:latin typeface="Century Schoolbook" pitchFamily="18" charset="0"/>
+              </a:rPr>
+              <a:t>M</a:t>
+            </a:r>
+            <a:r>
+              <a:rPr lang="pt-BR" sz="2400" strike="noStrike" spc="-1" dirty="0" smtClean="0">
+                <a:solidFill>
+                  <a:srgbClr val="000000"/>
+                </a:solidFill>
+                <a:uFill>
+                  <a:solidFill>
+                    <a:srgbClr val="FFFFFF"/>
+                  </a:solidFill>
+                </a:uFill>
+                <a:latin typeface="Century Schoolbook" pitchFamily="18" charset="0"/>
+              </a:rPr>
+              <a:t>édia aritmética das bandas RGB</a:t>
+            </a:r>
+            <a:endParaRPr lang="pt-BR" sz="2400" spc="-1" dirty="0" smtClean="0">
+              <a:solidFill>
+                <a:srgbClr val="000000"/>
+              </a:solidFill>
+              <a:uFill>
+                <a:solidFill>
+                  <a:srgbClr val="FFFFFF"/>
+                </a:solidFill>
+              </a:uFill>
+              <a:latin typeface="Century Schoolbook" pitchFamily="18" charset="0"/>
+            </a:endParaRPr>
+          </a:p>
+        </p:txBody>
+      </p:sp>
+      <p:sp>
+        <p:nvSpPr>
+          <p:cNvPr id="2" name="Título 1"/>
+          <p:cNvSpPr>
+            <a:spLocks noGrp="1"/>
+          </p:cNvSpPr>
+          <p:nvPr>
+            <p:ph type="title"/>
+          </p:nvPr>
+        </p:nvSpPr>
+        <p:spPr>
+          <a:xfrm>
+            <a:off x="359792" y="179437"/>
+            <a:ext cx="9072000" cy="1258200"/>
+          </a:xfrm>
+        </p:spPr>
         <p:txBody>
           <a:bodyPr/>
           <a:lstStyle/>
@@ -11544,6 +12295,11 @@
         </a:graphic>
       </p:graphicFrame>
     </p:spTree>
+    <p:extLst>
+      <p:ext uri="{BB962C8B-B14F-4D97-AF65-F5344CB8AC3E}">
+        <p14:creationId xmlns:p14="http://schemas.microsoft.com/office/powerpoint/2010/main" val="969761877"/>
+      </p:ext>
+    </p:extLst>
   </p:cSld>
   <p:clrMapOvr>
     <a:masterClrMapping/>
@@ -11551,14 +12307,14 @@
   <p:timing>
     <p:tnLst>
       <p:par>
-        <p:cTn id="1" dur="indefinite" restart="never" nodeType="tmRoot"/>
+        <p:cTn xmlns:p14="http://schemas.microsoft.com/office/powerpoint/2010/main" id="1" dur="indefinite" restart="never" nodeType="tmRoot"/>
       </p:par>
     </p:tnLst>
   </p:timing>
 </p:sld>
 </file>
 
-<file path=ppt/slides/slide14.xml><?xml version="1.0" encoding="utf-8"?>
+<file path=ppt/slides/slide15.xml><?xml version="1.0" encoding="utf-8"?>
 <p:sld xmlns:a="http://schemas.openxmlformats.org/drawingml/2006/main" xmlns:r="http://schemas.openxmlformats.org/officeDocument/2006/relationships" xmlns:p="http://schemas.openxmlformats.org/presentationml/2006/main">
   <p:cSld>
     <p:spTree>
@@ -11972,7 +12728,12 @@
             <p:ph type="body"/>
           </p:nvPr>
         </p:nvSpPr>
-        <p:spPr/>
+        <p:spPr>
+          <a:xfrm>
+            <a:off x="504720" y="1297501"/>
+            <a:ext cx="9072000" cy="1258200"/>
+          </a:xfrm>
+        </p:spPr>
         <p:txBody>
           <a:bodyPr/>
           <a:lstStyle/>
@@ -12041,7 +12802,12 @@
             <p:ph type="title"/>
           </p:nvPr>
         </p:nvSpPr>
-        <p:spPr/>
+        <p:spPr>
+          <a:xfrm>
+            <a:off x="504720" y="217381"/>
+            <a:ext cx="9072000" cy="1258200"/>
+          </a:xfrm>
+        </p:spPr>
         <p:txBody>
           <a:bodyPr/>
           <a:lstStyle/>
@@ -12090,14 +12856,14 @@
   <p:timing>
     <p:tnLst>
       <p:par>
-        <p:cTn id="1" dur="indefinite" restart="never" nodeType="tmRoot"/>
+        <p:cTn xmlns:p14="http://schemas.microsoft.com/office/powerpoint/2010/main" id="1" dur="indefinite" restart="never" nodeType="tmRoot"/>
       </p:par>
     </p:tnLst>
   </p:timing>
 </p:sld>
 </file>
 
-<file path=ppt/slides/slide15.xml><?xml version="1.0" encoding="utf-8"?>
+<file path=ppt/slides/slide16.xml><?xml version="1.0" encoding="utf-8"?>
 <p:sld xmlns:a="http://schemas.openxmlformats.org/drawingml/2006/main" xmlns:r="http://schemas.openxmlformats.org/officeDocument/2006/relationships" xmlns:p="http://schemas.openxmlformats.org/presentationml/2006/main">
   <p:cSld>
     <p:spTree>
@@ -12126,8 +12892,8 @@
         </p:nvSpPr>
         <p:spPr>
           <a:xfrm>
-            <a:off x="503808" y="1547589"/>
-            <a:ext cx="9068760" cy="4382280"/>
+            <a:off x="647824" y="899517"/>
+            <a:ext cx="4392488" cy="1152128"/>
           </a:xfrm>
         </p:spPr>
         <p:txBody>
@@ -12184,7 +12950,12 @@
             <p:ph type="title"/>
           </p:nvPr>
         </p:nvSpPr>
-        <p:spPr/>
+        <p:spPr>
+          <a:xfrm>
+            <a:off x="504720" y="107429"/>
+            <a:ext cx="9072000" cy="1258200"/>
+          </a:xfrm>
+        </p:spPr>
         <p:txBody>
           <a:bodyPr/>
           <a:lstStyle/>
@@ -12265,14 +13036,14 @@
   <p:timing>
     <p:tnLst>
       <p:par>
-        <p:cTn id="1" dur="indefinite" restart="never" nodeType="tmRoot"/>
+        <p:cTn xmlns:p14="http://schemas.microsoft.com/office/powerpoint/2010/main" id="1" dur="indefinite" restart="never" nodeType="tmRoot"/>
       </p:par>
     </p:tnLst>
   </p:timing>
 </p:sld>
 </file>
 
-<file path=ppt/slides/slide16.xml><?xml version="1.0" encoding="utf-8"?>
+<file path=ppt/slides/slide17.xml><?xml version="1.0" encoding="utf-8"?>
 <p:sld xmlns:a="http://schemas.openxmlformats.org/drawingml/2006/main" xmlns:r="http://schemas.openxmlformats.org/officeDocument/2006/relationships" xmlns:p="http://schemas.openxmlformats.org/presentationml/2006/main">
   <p:cSld>
     <p:spTree>
@@ -12380,7 +13151,12 @@
             <p:ph type="body"/>
           </p:nvPr>
         </p:nvSpPr>
-        <p:spPr/>
+        <p:spPr>
+          <a:xfrm>
+            <a:off x="503808" y="1187549"/>
+            <a:ext cx="9072000" cy="1258200"/>
+          </a:xfrm>
+        </p:spPr>
         <p:txBody>
           <a:bodyPr/>
           <a:lstStyle/>
@@ -12868,14 +13644,14 @@
   <p:timing>
     <p:tnLst>
       <p:par>
-        <p:cTn id="1" dur="indefinite" restart="never" nodeType="tmRoot"/>
+        <p:cTn xmlns:p14="http://schemas.microsoft.com/office/powerpoint/2010/main" id="1" dur="indefinite" restart="never" nodeType="tmRoot"/>
       </p:par>
     </p:tnLst>
   </p:timing>
 </p:sld>
 </file>
 
-<file path=ppt/slides/slide17.xml><?xml version="1.0" encoding="utf-8"?>
+<file path=ppt/slides/slide18.xml><?xml version="1.0" encoding="utf-8"?>
 <p:sld xmlns:a="http://schemas.openxmlformats.org/drawingml/2006/main" xmlns:r="http://schemas.openxmlformats.org/officeDocument/2006/relationships" xmlns:p="http://schemas.openxmlformats.org/presentationml/2006/main">
   <p:cSld>
     <p:spTree>
@@ -13324,7 +14100,12 @@
             <p:ph type="title"/>
           </p:nvPr>
         </p:nvSpPr>
-        <p:spPr/>
+        <p:spPr>
+          <a:xfrm>
+            <a:off x="359792" y="251445"/>
+            <a:ext cx="9072000" cy="1258200"/>
+          </a:xfrm>
+        </p:spPr>
         <p:txBody>
           <a:bodyPr/>
           <a:lstStyle/>
@@ -13405,7 +14186,12 @@
             <p:ph type="body"/>
           </p:nvPr>
         </p:nvSpPr>
-        <p:spPr/>
+        <p:spPr>
+          <a:xfrm>
+            <a:off x="359792" y="1331565"/>
+            <a:ext cx="9072000" cy="1258200"/>
+          </a:xfrm>
+        </p:spPr>
         <p:txBody>
           <a:bodyPr/>
           <a:lstStyle/>
@@ -13472,14 +14258,14 @@
   <p:timing>
     <p:tnLst>
       <p:par>
-        <p:cTn id="1" dur="indefinite" restart="never" nodeType="tmRoot"/>
+        <p:cTn xmlns:p14="http://schemas.microsoft.com/office/powerpoint/2010/main" id="1" dur="indefinite" restart="never" nodeType="tmRoot"/>
       </p:par>
     </p:tnLst>
   </p:timing>
 </p:sld>
 </file>
 
-<file path=ppt/slides/slide18.xml><?xml version="1.0" encoding="utf-8"?>
+<file path=ppt/slides/slide19.xml><?xml version="1.0" encoding="utf-8"?>
 <p:sld xmlns:a="http://schemas.openxmlformats.org/drawingml/2006/main" xmlns:r="http://schemas.openxmlformats.org/officeDocument/2006/relationships" xmlns:p="http://schemas.openxmlformats.org/presentationml/2006/main">
   <p:cSld>
     <p:spTree>
@@ -13508,8 +14294,8 @@
         </p:nvSpPr>
         <p:spPr>
           <a:xfrm>
-            <a:off x="503808" y="1475581"/>
-            <a:ext cx="9068760" cy="4382280"/>
+            <a:off x="575816" y="1043533"/>
+            <a:ext cx="5904656" cy="936104"/>
           </a:xfrm>
         </p:spPr>
         <p:txBody>
@@ -13566,13 +14352,18 @@
             <p:ph type="title"/>
           </p:nvPr>
         </p:nvSpPr>
-        <p:spPr/>
+        <p:spPr>
+          <a:xfrm>
+            <a:off x="504720" y="107429"/>
+            <a:ext cx="9072000" cy="1258200"/>
+          </a:xfrm>
+        </p:spPr>
         <p:txBody>
           <a:bodyPr/>
           <a:lstStyle/>
           <a:p>
             <a:r>
-              <a:rPr lang="pt-BR" sz="3000" strike="noStrike" spc="-1" smtClean="0">
+              <a:rPr lang="pt-BR" sz="3000" strike="noStrike" spc="-1" dirty="0" smtClean="0">
                 <a:solidFill>
                   <a:srgbClr val="000000"/>
                 </a:solidFill>
@@ -13587,7 +14378,7 @@
               <a:t>RESULTADOS: </a:t>
             </a:r>
             <a:r>
-              <a:rPr lang="pt-BR" sz="3000" b="1" strike="noStrike" spc="-1" smtClean="0">
+              <a:rPr lang="pt-BR" sz="3000" b="1" strike="noStrike" spc="-1" dirty="0" err="1" smtClean="0">
                 <a:solidFill>
                   <a:srgbClr val="000000"/>
                 </a:solidFill>
@@ -13599,7 +14390,37 @@
                 <a:latin typeface="Century Schoolbook" pitchFamily="18" charset="0"/>
                 <a:ea typeface="DejaVu Sans"/>
               </a:rPr>
-              <a:t>Moderate Dysplastic</a:t>
+              <a:t>Moderate</a:t>
+            </a:r>
+            <a:r>
+              <a:rPr lang="pt-BR" sz="3000" b="1" strike="noStrike" spc="-1" dirty="0" smtClean="0">
+                <a:solidFill>
+                  <a:srgbClr val="000000"/>
+                </a:solidFill>
+                <a:uFill>
+                  <a:solidFill>
+                    <a:srgbClr val="FFFFFF"/>
+                  </a:solidFill>
+                </a:uFill>
+                <a:latin typeface="Century Schoolbook" pitchFamily="18" charset="0"/>
+                <a:ea typeface="DejaVu Sans"/>
+              </a:rPr>
+              <a:t> </a:t>
+            </a:r>
+            <a:r>
+              <a:rPr lang="pt-BR" sz="3000" b="1" strike="noStrike" spc="-1" dirty="0" err="1" smtClean="0">
+                <a:solidFill>
+                  <a:srgbClr val="000000"/>
+                </a:solidFill>
+                <a:uFill>
+                  <a:solidFill>
+                    <a:srgbClr val="FFFFFF"/>
+                  </a:solidFill>
+                </a:uFill>
+                <a:latin typeface="Century Schoolbook" pitchFamily="18" charset="0"/>
+                <a:ea typeface="DejaVu Sans"/>
+              </a:rPr>
+              <a:t>Dysplastic</a:t>
             </a:r>
             <a:endParaRPr lang="pt-BR" sz="3000" b="1" dirty="0">
               <a:latin typeface="Century Schoolbook" pitchFamily="18" charset="0"/>
@@ -13624,7 +14445,7 @@
         </p:blipFill>
         <p:spPr bwMode="auto">
           <a:xfrm>
-            <a:off x="1079872" y="1979637"/>
+            <a:off x="1007864" y="1979637"/>
             <a:ext cx="7571383" cy="5080898"/>
           </a:xfrm>
           <a:prstGeom prst="rect">
@@ -13647,14 +14468,577 @@
   <p:timing>
     <p:tnLst>
       <p:par>
-        <p:cTn id="1" dur="indefinite" restart="never" nodeType="tmRoot"/>
+        <p:cTn xmlns:p14="http://schemas.microsoft.com/office/powerpoint/2010/main" id="1" dur="indefinite" restart="never" nodeType="tmRoot"/>
       </p:par>
     </p:tnLst>
   </p:timing>
 </p:sld>
 </file>
 
-<file path=ppt/slides/slide19.xml><?xml version="1.0" encoding="utf-8"?>
+<file path=ppt/slides/slide2.xml><?xml version="1.0" encoding="utf-8"?>
+<p:sld xmlns:a="http://schemas.openxmlformats.org/drawingml/2006/main" xmlns:r="http://schemas.openxmlformats.org/officeDocument/2006/relationships" xmlns:p="http://schemas.openxmlformats.org/presentationml/2006/main">
+  <p:cSld>
+    <p:spTree>
+      <p:nvGrpSpPr>
+        <p:cNvPr id="1" name=""/>
+        <p:cNvGrpSpPr/>
+        <p:nvPr/>
+      </p:nvGrpSpPr>
+      <p:grpSpPr>
+        <a:xfrm>
+          <a:off x="0" y="0"/>
+          <a:ext cx="0" cy="0"/>
+          <a:chOff x="0" y="0"/>
+          <a:chExt cx="0" cy="0"/>
+        </a:xfrm>
+      </p:grpSpPr>
+      <p:sp>
+        <p:nvSpPr>
+          <p:cNvPr id="149" name="CustomShape 1"/>
+          <p:cNvSpPr/>
+          <p:nvPr/>
+        </p:nvSpPr>
+        <p:spPr>
+          <a:xfrm>
+            <a:off x="504720" y="303120"/>
+            <a:ext cx="9072000" cy="1258200"/>
+          </a:xfrm>
+          <a:prstGeom prst="rect">
+            <a:avLst/>
+          </a:prstGeom>
+          <a:noFill/>
+          <a:ln>
+            <a:noFill/>
+          </a:ln>
+        </p:spPr>
+        <p:style>
+          <a:lnRef idx="0">
+            <a:scrgbClr r="0" g="0" b="0"/>
+          </a:lnRef>
+          <a:fillRef idx="0">
+            <a:scrgbClr r="0" g="0" b="0"/>
+          </a:fillRef>
+          <a:effectRef idx="0">
+            <a:scrgbClr r="0" g="0" b="0"/>
+          </a:effectRef>
+          <a:fontRef idx="minor"/>
+        </p:style>
+        <p:txBody>
+          <a:bodyPr lIns="0" tIns="0" rIns="0" bIns="0" anchor="ctr"/>
+          <a:lstStyle/>
+          <a:p>
+            <a:pPr>
+              <a:lnSpc>
+                <a:spcPct val="108000"/>
+              </a:lnSpc>
+            </a:pPr>
+            <a:r>
+              <a:rPr lang="pt-BR" sz="3000" b="1" strike="noStrike" spc="-1" dirty="0">
+                <a:solidFill>
+                  <a:srgbClr val="000000"/>
+                </a:solidFill>
+                <a:uFill>
+                  <a:solidFill>
+                    <a:srgbClr val="FFFFFF"/>
+                  </a:solidFill>
+                </a:uFill>
+                <a:latin typeface="Century Schoolbook" pitchFamily="18" charset="0"/>
+                <a:ea typeface="DejaVu Sans"/>
+              </a:rPr>
+              <a:t>OBJETIVOS</a:t>
+            </a:r>
+            <a:endParaRPr lang="pt-BR" sz="1800" b="1" strike="noStrike" spc="-1" dirty="0">
+              <a:solidFill>
+                <a:srgbClr val="000000"/>
+              </a:solidFill>
+              <a:uFill>
+                <a:solidFill>
+                  <a:srgbClr val="FFFFFF"/>
+                </a:solidFill>
+              </a:uFill>
+              <a:latin typeface="Century Schoolbook" pitchFamily="18" charset="0"/>
+            </a:endParaRPr>
+          </a:p>
+        </p:txBody>
+      </p:sp>
+      <p:sp>
+        <p:nvSpPr>
+          <p:cNvPr id="150" name="CustomShape 2"/>
+          <p:cNvSpPr/>
+          <p:nvPr/>
+        </p:nvSpPr>
+        <p:spPr>
+          <a:xfrm>
+            <a:off x="503280" y="1768320"/>
+            <a:ext cx="9068760" cy="4382280"/>
+          </a:xfrm>
+          <a:prstGeom prst="rect">
+            <a:avLst/>
+          </a:prstGeom>
+          <a:noFill/>
+          <a:ln w="9360">
+            <a:noFill/>
+          </a:ln>
+        </p:spPr>
+        <p:style>
+          <a:lnRef idx="0">
+            <a:scrgbClr r="0" g="0" b="0"/>
+          </a:lnRef>
+          <a:fillRef idx="0">
+            <a:scrgbClr r="0" g="0" b="0"/>
+          </a:fillRef>
+          <a:effectRef idx="0">
+            <a:scrgbClr r="0" g="0" b="0"/>
+          </a:effectRef>
+          <a:fontRef idx="minor"/>
+        </p:style>
+        <p:txBody>
+          <a:bodyPr lIns="0" tIns="0" rIns="0" bIns="0"/>
+          <a:lstStyle/>
+          <a:p>
+            <a:pPr marL="432000" indent="-323640">
+              <a:lnSpc>
+                <a:spcPct val="100000"/>
+              </a:lnSpc>
+              <a:buClr>
+                <a:srgbClr val="000000"/>
+              </a:buClr>
+              <a:buSzPct val="45000"/>
+              <a:buFont typeface="Wingdings" charset="2"/>
+              <a:buChar char=""/>
+            </a:pPr>
+            <a:r>
+              <a:rPr lang="pt-BR" sz="2400" strike="noStrike" spc="-1" dirty="0">
+                <a:solidFill>
+                  <a:srgbClr val="000000"/>
+                </a:solidFill>
+                <a:uFill>
+                  <a:solidFill>
+                    <a:srgbClr val="FFFFFF"/>
+                  </a:solidFill>
+                </a:uFill>
+                <a:latin typeface="Century Schoolbook" pitchFamily="18" charset="0"/>
+              </a:rPr>
+              <a:t>Avaliar quantitativamente o desempenho de cinco (05) diferentes métodos de segmentação. São eles:</a:t>
+            </a:r>
+            <a:endParaRPr lang="pt-BR" sz="1800" strike="noStrike" spc="-1" dirty="0">
+              <a:solidFill>
+                <a:srgbClr val="000000"/>
+              </a:solidFill>
+              <a:uFill>
+                <a:solidFill>
+                  <a:srgbClr val="FFFFFF"/>
+                </a:solidFill>
+              </a:uFill>
+              <a:latin typeface="Century Schoolbook" pitchFamily="18" charset="0"/>
+            </a:endParaRPr>
+          </a:p>
+          <a:p>
+            <a:pPr marL="864000" lvl="1" indent="-323640">
+              <a:lnSpc>
+                <a:spcPct val="100000"/>
+              </a:lnSpc>
+              <a:buClr>
+                <a:srgbClr val="000000"/>
+              </a:buClr>
+              <a:buSzPct val="75000"/>
+              <a:buFont typeface="Symbol"/>
+              <a:buChar char=""/>
+            </a:pPr>
+            <a:r>
+              <a:rPr lang="pt-BR" sz="2400" strike="noStrike" spc="-1" dirty="0" err="1">
+                <a:solidFill>
+                  <a:srgbClr val="000000"/>
+                </a:solidFill>
+                <a:uFill>
+                  <a:solidFill>
+                    <a:srgbClr val="FFFFFF"/>
+                  </a:solidFill>
+                </a:uFill>
+                <a:latin typeface="Century Schoolbook" pitchFamily="18" charset="0"/>
+              </a:rPr>
+              <a:t>Otsu</a:t>
+            </a:r>
+            <a:r>
+              <a:rPr lang="pt-BR" sz="2400" strike="noStrike" spc="-1" dirty="0">
+                <a:solidFill>
+                  <a:srgbClr val="000000"/>
+                </a:solidFill>
+                <a:uFill>
+                  <a:solidFill>
+                    <a:srgbClr val="FFFFFF"/>
+                  </a:solidFill>
+                </a:uFill>
+                <a:latin typeface="Century Schoolbook" pitchFamily="18" charset="0"/>
+              </a:rPr>
+              <a:t>;</a:t>
+            </a:r>
+            <a:endParaRPr lang="pt-BR" sz="1800" strike="noStrike" spc="-1" dirty="0">
+              <a:solidFill>
+                <a:srgbClr val="000000"/>
+              </a:solidFill>
+              <a:uFill>
+                <a:solidFill>
+                  <a:srgbClr val="FFFFFF"/>
+                </a:solidFill>
+              </a:uFill>
+              <a:latin typeface="Century Schoolbook" pitchFamily="18" charset="0"/>
+            </a:endParaRPr>
+          </a:p>
+          <a:p>
+            <a:pPr marL="864000" lvl="1" indent="-323640">
+              <a:lnSpc>
+                <a:spcPct val="100000"/>
+              </a:lnSpc>
+              <a:buClr>
+                <a:srgbClr val="000000"/>
+              </a:buClr>
+              <a:buSzPct val="75000"/>
+              <a:buFont typeface="Symbol"/>
+              <a:buChar char=""/>
+            </a:pPr>
+            <a:r>
+              <a:rPr lang="pt-BR" sz="2400" strike="noStrike" spc="-1" dirty="0">
+                <a:solidFill>
+                  <a:srgbClr val="000000"/>
+                </a:solidFill>
+                <a:uFill>
+                  <a:solidFill>
+                    <a:srgbClr val="FFFFFF"/>
+                  </a:solidFill>
+                </a:uFill>
+                <a:latin typeface="Century Schoolbook" pitchFamily="18" charset="0"/>
+              </a:rPr>
+              <a:t>Entropia de </a:t>
+            </a:r>
+            <a:r>
+              <a:rPr lang="pt-BR" sz="2400" strike="noStrike" spc="-1" dirty="0" err="1">
+                <a:solidFill>
+                  <a:srgbClr val="000000"/>
+                </a:solidFill>
+                <a:uFill>
+                  <a:solidFill>
+                    <a:srgbClr val="FFFFFF"/>
+                  </a:solidFill>
+                </a:uFill>
+                <a:latin typeface="Century Schoolbook" pitchFamily="18" charset="0"/>
+              </a:rPr>
+              <a:t>Renyi</a:t>
+            </a:r>
+            <a:r>
+              <a:rPr lang="pt-BR" sz="2400" strike="noStrike" spc="-1" dirty="0">
+                <a:solidFill>
+                  <a:srgbClr val="000000"/>
+                </a:solidFill>
+                <a:uFill>
+                  <a:solidFill>
+                    <a:srgbClr val="FFFFFF"/>
+                  </a:solidFill>
+                </a:uFill>
+                <a:latin typeface="Century Schoolbook" pitchFamily="18" charset="0"/>
+              </a:rPr>
+              <a:t>;</a:t>
+            </a:r>
+            <a:endParaRPr lang="pt-BR" sz="1800" strike="noStrike" spc="-1" dirty="0">
+              <a:solidFill>
+                <a:srgbClr val="000000"/>
+              </a:solidFill>
+              <a:uFill>
+                <a:solidFill>
+                  <a:srgbClr val="FFFFFF"/>
+                </a:solidFill>
+              </a:uFill>
+              <a:latin typeface="Century Schoolbook" pitchFamily="18" charset="0"/>
+            </a:endParaRPr>
+          </a:p>
+          <a:p>
+            <a:pPr marL="864000" lvl="1" indent="-323640">
+              <a:lnSpc>
+                <a:spcPct val="100000"/>
+              </a:lnSpc>
+              <a:buClr>
+                <a:srgbClr val="000000"/>
+              </a:buClr>
+              <a:buSzPct val="75000"/>
+              <a:buFont typeface="Symbol"/>
+              <a:buChar char=""/>
+            </a:pPr>
+            <a:r>
+              <a:rPr lang="pt-BR" sz="2400" strike="noStrike" spc="-1" dirty="0">
+                <a:solidFill>
+                  <a:srgbClr val="000000"/>
+                </a:solidFill>
+                <a:uFill>
+                  <a:solidFill>
+                    <a:srgbClr val="FFFFFF"/>
+                  </a:solidFill>
+                </a:uFill>
+                <a:latin typeface="Century Schoolbook" pitchFamily="18" charset="0"/>
+              </a:rPr>
+              <a:t>Crescimento de Região;</a:t>
+            </a:r>
+            <a:endParaRPr lang="pt-BR" sz="1800" strike="noStrike" spc="-1" dirty="0">
+              <a:solidFill>
+                <a:srgbClr val="000000"/>
+              </a:solidFill>
+              <a:uFill>
+                <a:solidFill>
+                  <a:srgbClr val="FFFFFF"/>
+                </a:solidFill>
+              </a:uFill>
+              <a:latin typeface="Century Schoolbook" pitchFamily="18" charset="0"/>
+            </a:endParaRPr>
+          </a:p>
+          <a:p>
+            <a:pPr marL="864000" lvl="1" indent="-323640">
+              <a:lnSpc>
+                <a:spcPct val="100000"/>
+              </a:lnSpc>
+              <a:buClr>
+                <a:srgbClr val="000000"/>
+              </a:buClr>
+              <a:buSzPct val="75000"/>
+              <a:buFont typeface="Symbol"/>
+              <a:buChar char=""/>
+            </a:pPr>
+            <a:r>
+              <a:rPr lang="pt-BR" sz="2400" strike="noStrike" spc="-1" dirty="0" err="1">
+                <a:solidFill>
+                  <a:srgbClr val="000000"/>
+                </a:solidFill>
+                <a:uFill>
+                  <a:solidFill>
+                    <a:srgbClr val="FFFFFF"/>
+                  </a:solidFill>
+                </a:uFill>
+                <a:latin typeface="Century Schoolbook" pitchFamily="18" charset="0"/>
+              </a:rPr>
+              <a:t>K-médias</a:t>
+            </a:r>
+            <a:r>
+              <a:rPr lang="pt-BR" sz="2400" strike="noStrike" spc="-1" dirty="0">
+                <a:solidFill>
+                  <a:srgbClr val="000000"/>
+                </a:solidFill>
+                <a:uFill>
+                  <a:solidFill>
+                    <a:srgbClr val="FFFFFF"/>
+                  </a:solidFill>
+                </a:uFill>
+                <a:latin typeface="Century Schoolbook" pitchFamily="18" charset="0"/>
+              </a:rPr>
+              <a:t>;</a:t>
+            </a:r>
+            <a:endParaRPr lang="pt-BR" sz="1800" strike="noStrike" spc="-1" dirty="0">
+              <a:solidFill>
+                <a:srgbClr val="000000"/>
+              </a:solidFill>
+              <a:uFill>
+                <a:solidFill>
+                  <a:srgbClr val="FFFFFF"/>
+                </a:solidFill>
+              </a:uFill>
+              <a:latin typeface="Century Schoolbook" pitchFamily="18" charset="0"/>
+            </a:endParaRPr>
+          </a:p>
+          <a:p>
+            <a:pPr marL="864000" lvl="1" indent="-323640">
+              <a:lnSpc>
+                <a:spcPct val="100000"/>
+              </a:lnSpc>
+              <a:buClr>
+                <a:srgbClr val="000000"/>
+              </a:buClr>
+              <a:buSzPct val="75000"/>
+              <a:buFont typeface="Symbol"/>
+              <a:buChar char=""/>
+            </a:pPr>
+            <a:r>
+              <a:rPr lang="pt-BR" sz="2400" b="1" strike="noStrike" spc="-1" dirty="0">
+                <a:solidFill>
+                  <a:srgbClr val="000000"/>
+                </a:solidFill>
+                <a:uFill>
+                  <a:solidFill>
+                    <a:srgbClr val="FFFFFF"/>
+                  </a:solidFill>
+                </a:uFill>
+                <a:latin typeface="Century Schoolbook" pitchFamily="18" charset="0"/>
+              </a:rPr>
+              <a:t>Segmentação </a:t>
+            </a:r>
+            <a:r>
+              <a:rPr lang="pt-BR" sz="2400" b="1" strike="noStrike" spc="-1" dirty="0" err="1">
+                <a:solidFill>
+                  <a:srgbClr val="000000"/>
+                </a:solidFill>
+                <a:uFill>
+                  <a:solidFill>
+                    <a:srgbClr val="FFFFFF"/>
+                  </a:solidFill>
+                </a:uFill>
+                <a:latin typeface="Century Schoolbook" pitchFamily="18" charset="0"/>
+              </a:rPr>
+              <a:t>Fuzzy</a:t>
+            </a:r>
+            <a:r>
+              <a:rPr lang="pt-BR" sz="2400" strike="noStrike" spc="-1" dirty="0">
+                <a:solidFill>
+                  <a:srgbClr val="000000"/>
+                </a:solidFill>
+                <a:uFill>
+                  <a:solidFill>
+                    <a:srgbClr val="FFFFFF"/>
+                  </a:solidFill>
+                </a:uFill>
+                <a:latin typeface="Century Schoolbook" pitchFamily="18" charset="0"/>
+              </a:rPr>
+              <a:t> (</a:t>
+            </a:r>
+            <a:r>
+              <a:rPr lang="pt-BR" sz="2400" strike="noStrike" spc="-1" dirty="0" err="1">
+                <a:solidFill>
+                  <a:srgbClr val="000000"/>
+                </a:solidFill>
+                <a:uFill>
+                  <a:solidFill>
+                    <a:srgbClr val="FFFFFF"/>
+                  </a:solidFill>
+                </a:uFill>
+                <a:latin typeface="Century Schoolbook" pitchFamily="18" charset="0"/>
+              </a:rPr>
+              <a:t>Fuzzy</a:t>
+            </a:r>
+            <a:r>
+              <a:rPr lang="pt-BR" sz="2400" strike="noStrike" spc="-1" dirty="0">
+                <a:solidFill>
+                  <a:srgbClr val="000000"/>
+                </a:solidFill>
+                <a:uFill>
+                  <a:solidFill>
+                    <a:srgbClr val="FFFFFF"/>
+                  </a:solidFill>
+                </a:uFill>
+                <a:latin typeface="Century Schoolbook" pitchFamily="18" charset="0"/>
+              </a:rPr>
+              <a:t> </a:t>
+            </a:r>
+            <a:r>
+              <a:rPr lang="pt-BR" sz="2400" strike="noStrike" spc="-1" dirty="0" err="1">
+                <a:solidFill>
+                  <a:srgbClr val="000000"/>
+                </a:solidFill>
+                <a:uFill>
+                  <a:solidFill>
+                    <a:srgbClr val="FFFFFF"/>
+                  </a:solidFill>
+                </a:uFill>
+                <a:latin typeface="Century Schoolbook" pitchFamily="18" charset="0"/>
+              </a:rPr>
+              <a:t>C-Means</a:t>
+            </a:r>
+            <a:r>
+              <a:rPr lang="pt-BR" sz="2400" strike="noStrike" spc="-1" dirty="0" smtClean="0">
+                <a:solidFill>
+                  <a:srgbClr val="000000"/>
+                </a:solidFill>
+                <a:uFill>
+                  <a:solidFill>
+                    <a:srgbClr val="FFFFFF"/>
+                  </a:solidFill>
+                </a:uFill>
+                <a:latin typeface="Century Schoolbook" pitchFamily="18" charset="0"/>
+              </a:rPr>
+              <a:t>).</a:t>
+            </a:r>
+            <a:endParaRPr lang="pt-BR" sz="1800" strike="noStrike" spc="-1" dirty="0">
+              <a:solidFill>
+                <a:srgbClr val="000000"/>
+              </a:solidFill>
+              <a:uFill>
+                <a:solidFill>
+                  <a:srgbClr val="FFFFFF"/>
+                </a:solidFill>
+              </a:uFill>
+              <a:latin typeface="Century Schoolbook" pitchFamily="18" charset="0"/>
+            </a:endParaRPr>
+          </a:p>
+          <a:p>
+            <a:pPr marL="432000" indent="-323640">
+              <a:lnSpc>
+                <a:spcPct val="100000"/>
+              </a:lnSpc>
+              <a:buClr>
+                <a:srgbClr val="000000"/>
+              </a:buClr>
+              <a:buSzPct val="45000"/>
+              <a:buFont typeface="Wingdings" charset="2"/>
+              <a:buChar char=""/>
+            </a:pPr>
+            <a:r>
+              <a:rPr lang="pt-BR" sz="2400" strike="noStrike" spc="-1" dirty="0">
+                <a:solidFill>
+                  <a:srgbClr val="000000"/>
+                </a:solidFill>
+                <a:uFill>
+                  <a:solidFill>
+                    <a:srgbClr val="FFFFFF"/>
+                  </a:solidFill>
+                </a:uFill>
+                <a:latin typeface="Century Schoolbook" pitchFamily="18" charset="0"/>
+              </a:rPr>
+              <a:t>Evidenciar a dificuldade ao segmentar imagens em problemas enfrentados na prática.</a:t>
+            </a:r>
+            <a:endParaRPr lang="pt-BR" sz="1800" strike="noStrike" spc="-1" dirty="0">
+              <a:solidFill>
+                <a:srgbClr val="000000"/>
+              </a:solidFill>
+              <a:uFill>
+                <a:solidFill>
+                  <a:srgbClr val="FFFFFF"/>
+                </a:solidFill>
+              </a:uFill>
+              <a:latin typeface="Century Schoolbook" pitchFamily="18" charset="0"/>
+            </a:endParaRPr>
+          </a:p>
+        </p:txBody>
+      </p:sp>
+    </p:spTree>
+  </p:cSld>
+  <p:clrMapOvr>
+    <a:masterClrMapping/>
+  </p:clrMapOvr>
+  <p:timing>
+    <p:tnLst>
+      <p:par>
+        <p:cTn xmlns:p14="http://schemas.microsoft.com/office/powerpoint/2010/main" id="1" dur="indefinite" restart="never" nodeType="tmRoot">
+          <p:childTnLst>
+            <p:seq>
+              <p:cTn id="2" nodeType="mainSeq"/>
+              <p:prevCondLst>
+                <p:cond evt="onPrev" delay="0">
+                  <p:tgtEl>
+                    <p:sldTgt/>
+                  </p:tgtEl>
+                </p:cond>
+              </p:prevCondLst>
+              <p:nextCondLst>
+                <p:cond evt="onNext" delay="0">
+                  <p:tgtEl>
+                    <p:sldTgt/>
+                  </p:tgtEl>
+                </p:cond>
+              </p:nextCondLst>
+            </p:seq>
+          </p:childTnLst>
+        </p:cTn>
+      </p:par>
+    </p:tnLst>
+  </p:timing>
+</p:sld>
+</file>
+
+<file path=ppt/slides/slide20.xml><?xml version="1.0" encoding="utf-8"?>
 <p:sld xmlns:a="http://schemas.openxmlformats.org/drawingml/2006/main" xmlns:r="http://schemas.openxmlformats.org/officeDocument/2006/relationships" xmlns:p="http://schemas.openxmlformats.org/presentationml/2006/main">
   <p:cSld>
     <p:spTree>
@@ -13681,7 +15065,12 @@
             <p:ph type="body"/>
           </p:nvPr>
         </p:nvSpPr>
-        <p:spPr/>
+        <p:spPr>
+          <a:xfrm>
+            <a:off x="431800" y="1187549"/>
+            <a:ext cx="9072000" cy="1258200"/>
+          </a:xfrm>
+        </p:spPr>
         <p:txBody>
           <a:bodyPr/>
           <a:lstStyle/>
@@ -14250,577 +15639,14 @@
   <p:timing>
     <p:tnLst>
       <p:par>
-        <p:cTn id="1" dur="indefinite" restart="never" nodeType="tmRoot"/>
+        <p:cTn xmlns:p14="http://schemas.microsoft.com/office/powerpoint/2010/main" id="1" dur="indefinite" restart="never" nodeType="tmRoot"/>
       </p:par>
     </p:tnLst>
   </p:timing>
 </p:sld>
 </file>
 
-<file path=ppt/slides/slide2.xml><?xml version="1.0" encoding="utf-8"?>
-<p:sld xmlns:a="http://schemas.openxmlformats.org/drawingml/2006/main" xmlns:r="http://schemas.openxmlformats.org/officeDocument/2006/relationships" xmlns:p="http://schemas.openxmlformats.org/presentationml/2006/main">
-  <p:cSld>
-    <p:spTree>
-      <p:nvGrpSpPr>
-        <p:cNvPr id="1" name=""/>
-        <p:cNvGrpSpPr/>
-        <p:nvPr/>
-      </p:nvGrpSpPr>
-      <p:grpSpPr>
-        <a:xfrm>
-          <a:off x="0" y="0"/>
-          <a:ext cx="0" cy="0"/>
-          <a:chOff x="0" y="0"/>
-          <a:chExt cx="0" cy="0"/>
-        </a:xfrm>
-      </p:grpSpPr>
-      <p:sp>
-        <p:nvSpPr>
-          <p:cNvPr id="149" name="CustomShape 1"/>
-          <p:cNvSpPr/>
-          <p:nvPr/>
-        </p:nvSpPr>
-        <p:spPr>
-          <a:xfrm>
-            <a:off x="504720" y="303120"/>
-            <a:ext cx="9072000" cy="1258200"/>
-          </a:xfrm>
-          <a:prstGeom prst="rect">
-            <a:avLst/>
-          </a:prstGeom>
-          <a:noFill/>
-          <a:ln>
-            <a:noFill/>
-          </a:ln>
-        </p:spPr>
-        <p:style>
-          <a:lnRef idx="0">
-            <a:scrgbClr r="0" g="0" b="0"/>
-          </a:lnRef>
-          <a:fillRef idx="0">
-            <a:scrgbClr r="0" g="0" b="0"/>
-          </a:fillRef>
-          <a:effectRef idx="0">
-            <a:scrgbClr r="0" g="0" b="0"/>
-          </a:effectRef>
-          <a:fontRef idx="minor"/>
-        </p:style>
-        <p:txBody>
-          <a:bodyPr lIns="0" tIns="0" rIns="0" bIns="0" anchor="ctr"/>
-          <a:lstStyle/>
-          <a:p>
-            <a:pPr>
-              <a:lnSpc>
-                <a:spcPct val="108000"/>
-              </a:lnSpc>
-            </a:pPr>
-            <a:r>
-              <a:rPr lang="pt-BR" sz="3000" b="1" strike="noStrike" spc="-1" dirty="0">
-                <a:solidFill>
-                  <a:srgbClr val="000000"/>
-                </a:solidFill>
-                <a:uFill>
-                  <a:solidFill>
-                    <a:srgbClr val="FFFFFF"/>
-                  </a:solidFill>
-                </a:uFill>
-                <a:latin typeface="Century Schoolbook" pitchFamily="18" charset="0"/>
-                <a:ea typeface="DejaVu Sans"/>
-              </a:rPr>
-              <a:t>OBJETIVOS</a:t>
-            </a:r>
-            <a:endParaRPr lang="pt-BR" sz="1800" b="1" strike="noStrike" spc="-1" dirty="0">
-              <a:solidFill>
-                <a:srgbClr val="000000"/>
-              </a:solidFill>
-              <a:uFill>
-                <a:solidFill>
-                  <a:srgbClr val="FFFFFF"/>
-                </a:solidFill>
-              </a:uFill>
-              <a:latin typeface="Century Schoolbook" pitchFamily="18" charset="0"/>
-            </a:endParaRPr>
-          </a:p>
-        </p:txBody>
-      </p:sp>
-      <p:sp>
-        <p:nvSpPr>
-          <p:cNvPr id="150" name="CustomShape 2"/>
-          <p:cNvSpPr/>
-          <p:nvPr/>
-        </p:nvSpPr>
-        <p:spPr>
-          <a:xfrm>
-            <a:off x="503280" y="1768320"/>
-            <a:ext cx="9068760" cy="4382280"/>
-          </a:xfrm>
-          <a:prstGeom prst="rect">
-            <a:avLst/>
-          </a:prstGeom>
-          <a:noFill/>
-          <a:ln w="9360">
-            <a:noFill/>
-          </a:ln>
-        </p:spPr>
-        <p:style>
-          <a:lnRef idx="0">
-            <a:scrgbClr r="0" g="0" b="0"/>
-          </a:lnRef>
-          <a:fillRef idx="0">
-            <a:scrgbClr r="0" g="0" b="0"/>
-          </a:fillRef>
-          <a:effectRef idx="0">
-            <a:scrgbClr r="0" g="0" b="0"/>
-          </a:effectRef>
-          <a:fontRef idx="minor"/>
-        </p:style>
-        <p:txBody>
-          <a:bodyPr lIns="0" tIns="0" rIns="0" bIns="0"/>
-          <a:lstStyle/>
-          <a:p>
-            <a:pPr marL="432000" indent="-323640">
-              <a:lnSpc>
-                <a:spcPct val="100000"/>
-              </a:lnSpc>
-              <a:buClr>
-                <a:srgbClr val="000000"/>
-              </a:buClr>
-              <a:buSzPct val="45000"/>
-              <a:buFont typeface="Wingdings" charset="2"/>
-              <a:buChar char=""/>
-            </a:pPr>
-            <a:r>
-              <a:rPr lang="pt-BR" sz="2400" strike="noStrike" spc="-1" dirty="0">
-                <a:solidFill>
-                  <a:srgbClr val="000000"/>
-                </a:solidFill>
-                <a:uFill>
-                  <a:solidFill>
-                    <a:srgbClr val="FFFFFF"/>
-                  </a:solidFill>
-                </a:uFill>
-                <a:latin typeface="Century Schoolbook" pitchFamily="18" charset="0"/>
-              </a:rPr>
-              <a:t>Avaliar quantitativamente o desempenho de cinco (05) diferentes métodos de segmentação. São eles:</a:t>
-            </a:r>
-            <a:endParaRPr lang="pt-BR" sz="1800" strike="noStrike" spc="-1" dirty="0">
-              <a:solidFill>
-                <a:srgbClr val="000000"/>
-              </a:solidFill>
-              <a:uFill>
-                <a:solidFill>
-                  <a:srgbClr val="FFFFFF"/>
-                </a:solidFill>
-              </a:uFill>
-              <a:latin typeface="Century Schoolbook" pitchFamily="18" charset="0"/>
-            </a:endParaRPr>
-          </a:p>
-          <a:p>
-            <a:pPr marL="864000" lvl="1" indent="-323640">
-              <a:lnSpc>
-                <a:spcPct val="100000"/>
-              </a:lnSpc>
-              <a:buClr>
-                <a:srgbClr val="000000"/>
-              </a:buClr>
-              <a:buSzPct val="75000"/>
-              <a:buFont typeface="Symbol"/>
-              <a:buChar char=""/>
-            </a:pPr>
-            <a:r>
-              <a:rPr lang="pt-BR" sz="2400" strike="noStrike" spc="-1" dirty="0" err="1">
-                <a:solidFill>
-                  <a:srgbClr val="000000"/>
-                </a:solidFill>
-                <a:uFill>
-                  <a:solidFill>
-                    <a:srgbClr val="FFFFFF"/>
-                  </a:solidFill>
-                </a:uFill>
-                <a:latin typeface="Century Schoolbook" pitchFamily="18" charset="0"/>
-              </a:rPr>
-              <a:t>Otsu</a:t>
-            </a:r>
-            <a:r>
-              <a:rPr lang="pt-BR" sz="2400" strike="noStrike" spc="-1" dirty="0">
-                <a:solidFill>
-                  <a:srgbClr val="000000"/>
-                </a:solidFill>
-                <a:uFill>
-                  <a:solidFill>
-                    <a:srgbClr val="FFFFFF"/>
-                  </a:solidFill>
-                </a:uFill>
-                <a:latin typeface="Century Schoolbook" pitchFamily="18" charset="0"/>
-              </a:rPr>
-              <a:t>;</a:t>
-            </a:r>
-            <a:endParaRPr lang="pt-BR" sz="1800" strike="noStrike" spc="-1" dirty="0">
-              <a:solidFill>
-                <a:srgbClr val="000000"/>
-              </a:solidFill>
-              <a:uFill>
-                <a:solidFill>
-                  <a:srgbClr val="FFFFFF"/>
-                </a:solidFill>
-              </a:uFill>
-              <a:latin typeface="Century Schoolbook" pitchFamily="18" charset="0"/>
-            </a:endParaRPr>
-          </a:p>
-          <a:p>
-            <a:pPr marL="864000" lvl="1" indent="-323640">
-              <a:lnSpc>
-                <a:spcPct val="100000"/>
-              </a:lnSpc>
-              <a:buClr>
-                <a:srgbClr val="000000"/>
-              </a:buClr>
-              <a:buSzPct val="75000"/>
-              <a:buFont typeface="Symbol"/>
-              <a:buChar char=""/>
-            </a:pPr>
-            <a:r>
-              <a:rPr lang="pt-BR" sz="2400" strike="noStrike" spc="-1" dirty="0">
-                <a:solidFill>
-                  <a:srgbClr val="000000"/>
-                </a:solidFill>
-                <a:uFill>
-                  <a:solidFill>
-                    <a:srgbClr val="FFFFFF"/>
-                  </a:solidFill>
-                </a:uFill>
-                <a:latin typeface="Century Schoolbook" pitchFamily="18" charset="0"/>
-              </a:rPr>
-              <a:t>Entropia de </a:t>
-            </a:r>
-            <a:r>
-              <a:rPr lang="pt-BR" sz="2400" strike="noStrike" spc="-1" dirty="0" err="1">
-                <a:solidFill>
-                  <a:srgbClr val="000000"/>
-                </a:solidFill>
-                <a:uFill>
-                  <a:solidFill>
-                    <a:srgbClr val="FFFFFF"/>
-                  </a:solidFill>
-                </a:uFill>
-                <a:latin typeface="Century Schoolbook" pitchFamily="18" charset="0"/>
-              </a:rPr>
-              <a:t>Renyi</a:t>
-            </a:r>
-            <a:r>
-              <a:rPr lang="pt-BR" sz="2400" strike="noStrike" spc="-1" dirty="0">
-                <a:solidFill>
-                  <a:srgbClr val="000000"/>
-                </a:solidFill>
-                <a:uFill>
-                  <a:solidFill>
-                    <a:srgbClr val="FFFFFF"/>
-                  </a:solidFill>
-                </a:uFill>
-                <a:latin typeface="Century Schoolbook" pitchFamily="18" charset="0"/>
-              </a:rPr>
-              <a:t>;</a:t>
-            </a:r>
-            <a:endParaRPr lang="pt-BR" sz="1800" strike="noStrike" spc="-1" dirty="0">
-              <a:solidFill>
-                <a:srgbClr val="000000"/>
-              </a:solidFill>
-              <a:uFill>
-                <a:solidFill>
-                  <a:srgbClr val="FFFFFF"/>
-                </a:solidFill>
-              </a:uFill>
-              <a:latin typeface="Century Schoolbook" pitchFamily="18" charset="0"/>
-            </a:endParaRPr>
-          </a:p>
-          <a:p>
-            <a:pPr marL="864000" lvl="1" indent="-323640">
-              <a:lnSpc>
-                <a:spcPct val="100000"/>
-              </a:lnSpc>
-              <a:buClr>
-                <a:srgbClr val="000000"/>
-              </a:buClr>
-              <a:buSzPct val="75000"/>
-              <a:buFont typeface="Symbol"/>
-              <a:buChar char=""/>
-            </a:pPr>
-            <a:r>
-              <a:rPr lang="pt-BR" sz="2400" strike="noStrike" spc="-1" dirty="0">
-                <a:solidFill>
-                  <a:srgbClr val="000000"/>
-                </a:solidFill>
-                <a:uFill>
-                  <a:solidFill>
-                    <a:srgbClr val="FFFFFF"/>
-                  </a:solidFill>
-                </a:uFill>
-                <a:latin typeface="Century Schoolbook" pitchFamily="18" charset="0"/>
-              </a:rPr>
-              <a:t>Crescimento de Região;</a:t>
-            </a:r>
-            <a:endParaRPr lang="pt-BR" sz="1800" strike="noStrike" spc="-1" dirty="0">
-              <a:solidFill>
-                <a:srgbClr val="000000"/>
-              </a:solidFill>
-              <a:uFill>
-                <a:solidFill>
-                  <a:srgbClr val="FFFFFF"/>
-                </a:solidFill>
-              </a:uFill>
-              <a:latin typeface="Century Schoolbook" pitchFamily="18" charset="0"/>
-            </a:endParaRPr>
-          </a:p>
-          <a:p>
-            <a:pPr marL="864000" lvl="1" indent="-323640">
-              <a:lnSpc>
-                <a:spcPct val="100000"/>
-              </a:lnSpc>
-              <a:buClr>
-                <a:srgbClr val="000000"/>
-              </a:buClr>
-              <a:buSzPct val="75000"/>
-              <a:buFont typeface="Symbol"/>
-              <a:buChar char=""/>
-            </a:pPr>
-            <a:r>
-              <a:rPr lang="pt-BR" sz="2400" strike="noStrike" spc="-1" dirty="0" err="1">
-                <a:solidFill>
-                  <a:srgbClr val="000000"/>
-                </a:solidFill>
-                <a:uFill>
-                  <a:solidFill>
-                    <a:srgbClr val="FFFFFF"/>
-                  </a:solidFill>
-                </a:uFill>
-                <a:latin typeface="Century Schoolbook" pitchFamily="18" charset="0"/>
-              </a:rPr>
-              <a:t>K-médias</a:t>
-            </a:r>
-            <a:r>
-              <a:rPr lang="pt-BR" sz="2400" strike="noStrike" spc="-1" dirty="0">
-                <a:solidFill>
-                  <a:srgbClr val="000000"/>
-                </a:solidFill>
-                <a:uFill>
-                  <a:solidFill>
-                    <a:srgbClr val="FFFFFF"/>
-                  </a:solidFill>
-                </a:uFill>
-                <a:latin typeface="Century Schoolbook" pitchFamily="18" charset="0"/>
-              </a:rPr>
-              <a:t>;</a:t>
-            </a:r>
-            <a:endParaRPr lang="pt-BR" sz="1800" strike="noStrike" spc="-1" dirty="0">
-              <a:solidFill>
-                <a:srgbClr val="000000"/>
-              </a:solidFill>
-              <a:uFill>
-                <a:solidFill>
-                  <a:srgbClr val="FFFFFF"/>
-                </a:solidFill>
-              </a:uFill>
-              <a:latin typeface="Century Schoolbook" pitchFamily="18" charset="0"/>
-            </a:endParaRPr>
-          </a:p>
-          <a:p>
-            <a:pPr marL="864000" lvl="1" indent="-323640">
-              <a:lnSpc>
-                <a:spcPct val="100000"/>
-              </a:lnSpc>
-              <a:buClr>
-                <a:srgbClr val="000000"/>
-              </a:buClr>
-              <a:buSzPct val="75000"/>
-              <a:buFont typeface="Symbol"/>
-              <a:buChar char=""/>
-            </a:pPr>
-            <a:r>
-              <a:rPr lang="pt-BR" sz="2400" b="1" strike="noStrike" spc="-1" dirty="0">
-                <a:solidFill>
-                  <a:srgbClr val="000000"/>
-                </a:solidFill>
-                <a:uFill>
-                  <a:solidFill>
-                    <a:srgbClr val="FFFFFF"/>
-                  </a:solidFill>
-                </a:uFill>
-                <a:latin typeface="Century Schoolbook" pitchFamily="18" charset="0"/>
-              </a:rPr>
-              <a:t>Segmentação </a:t>
-            </a:r>
-            <a:r>
-              <a:rPr lang="pt-BR" sz="2400" b="1" strike="noStrike" spc="-1" dirty="0" err="1">
-                <a:solidFill>
-                  <a:srgbClr val="000000"/>
-                </a:solidFill>
-                <a:uFill>
-                  <a:solidFill>
-                    <a:srgbClr val="FFFFFF"/>
-                  </a:solidFill>
-                </a:uFill>
-                <a:latin typeface="Century Schoolbook" pitchFamily="18" charset="0"/>
-              </a:rPr>
-              <a:t>Fuzzy</a:t>
-            </a:r>
-            <a:r>
-              <a:rPr lang="pt-BR" sz="2400" strike="noStrike" spc="-1" dirty="0">
-                <a:solidFill>
-                  <a:srgbClr val="000000"/>
-                </a:solidFill>
-                <a:uFill>
-                  <a:solidFill>
-                    <a:srgbClr val="FFFFFF"/>
-                  </a:solidFill>
-                </a:uFill>
-                <a:latin typeface="Century Schoolbook" pitchFamily="18" charset="0"/>
-              </a:rPr>
-              <a:t> (</a:t>
-            </a:r>
-            <a:r>
-              <a:rPr lang="pt-BR" sz="2400" strike="noStrike" spc="-1" dirty="0" err="1">
-                <a:solidFill>
-                  <a:srgbClr val="000000"/>
-                </a:solidFill>
-                <a:uFill>
-                  <a:solidFill>
-                    <a:srgbClr val="FFFFFF"/>
-                  </a:solidFill>
-                </a:uFill>
-                <a:latin typeface="Century Schoolbook" pitchFamily="18" charset="0"/>
-              </a:rPr>
-              <a:t>Fuzzy</a:t>
-            </a:r>
-            <a:r>
-              <a:rPr lang="pt-BR" sz="2400" strike="noStrike" spc="-1" dirty="0">
-                <a:solidFill>
-                  <a:srgbClr val="000000"/>
-                </a:solidFill>
-                <a:uFill>
-                  <a:solidFill>
-                    <a:srgbClr val="FFFFFF"/>
-                  </a:solidFill>
-                </a:uFill>
-                <a:latin typeface="Century Schoolbook" pitchFamily="18" charset="0"/>
-              </a:rPr>
-              <a:t> </a:t>
-            </a:r>
-            <a:r>
-              <a:rPr lang="pt-BR" sz="2400" strike="noStrike" spc="-1" dirty="0" err="1">
-                <a:solidFill>
-                  <a:srgbClr val="000000"/>
-                </a:solidFill>
-                <a:uFill>
-                  <a:solidFill>
-                    <a:srgbClr val="FFFFFF"/>
-                  </a:solidFill>
-                </a:uFill>
-                <a:latin typeface="Century Schoolbook" pitchFamily="18" charset="0"/>
-              </a:rPr>
-              <a:t>C-Means</a:t>
-            </a:r>
-            <a:r>
-              <a:rPr lang="pt-BR" sz="2400" strike="noStrike" spc="-1" dirty="0" smtClean="0">
-                <a:solidFill>
-                  <a:srgbClr val="000000"/>
-                </a:solidFill>
-                <a:uFill>
-                  <a:solidFill>
-                    <a:srgbClr val="FFFFFF"/>
-                  </a:solidFill>
-                </a:uFill>
-                <a:latin typeface="Century Schoolbook" pitchFamily="18" charset="0"/>
-              </a:rPr>
-              <a:t>).</a:t>
-            </a:r>
-            <a:endParaRPr lang="pt-BR" sz="1800" strike="noStrike" spc="-1" dirty="0">
-              <a:solidFill>
-                <a:srgbClr val="000000"/>
-              </a:solidFill>
-              <a:uFill>
-                <a:solidFill>
-                  <a:srgbClr val="FFFFFF"/>
-                </a:solidFill>
-              </a:uFill>
-              <a:latin typeface="Century Schoolbook" pitchFamily="18" charset="0"/>
-            </a:endParaRPr>
-          </a:p>
-          <a:p>
-            <a:pPr marL="432000" indent="-323640">
-              <a:lnSpc>
-                <a:spcPct val="100000"/>
-              </a:lnSpc>
-              <a:buClr>
-                <a:srgbClr val="000000"/>
-              </a:buClr>
-              <a:buSzPct val="45000"/>
-              <a:buFont typeface="Wingdings" charset="2"/>
-              <a:buChar char=""/>
-            </a:pPr>
-            <a:r>
-              <a:rPr lang="pt-BR" sz="2400" strike="noStrike" spc="-1" dirty="0">
-                <a:solidFill>
-                  <a:srgbClr val="000000"/>
-                </a:solidFill>
-                <a:uFill>
-                  <a:solidFill>
-                    <a:srgbClr val="FFFFFF"/>
-                  </a:solidFill>
-                </a:uFill>
-                <a:latin typeface="Century Schoolbook" pitchFamily="18" charset="0"/>
-              </a:rPr>
-              <a:t>Evidenciar a dificuldade ao segmentar imagens em problemas enfrentados na prática.</a:t>
-            </a:r>
-            <a:endParaRPr lang="pt-BR" sz="1800" strike="noStrike" spc="-1" dirty="0">
-              <a:solidFill>
-                <a:srgbClr val="000000"/>
-              </a:solidFill>
-              <a:uFill>
-                <a:solidFill>
-                  <a:srgbClr val="FFFFFF"/>
-                </a:solidFill>
-              </a:uFill>
-              <a:latin typeface="Century Schoolbook" pitchFamily="18" charset="0"/>
-            </a:endParaRPr>
-          </a:p>
-        </p:txBody>
-      </p:sp>
-    </p:spTree>
-  </p:cSld>
-  <p:clrMapOvr>
-    <a:masterClrMapping/>
-  </p:clrMapOvr>
-  <p:timing>
-    <p:tnLst>
-      <p:par>
-        <p:cTn id="1" dur="indefinite" restart="never" nodeType="tmRoot">
-          <p:childTnLst>
-            <p:seq>
-              <p:cTn id="2" nodeType="mainSeq"/>
-              <p:prevCondLst>
-                <p:cond evt="onPrev" delay="0">
-                  <p:tgtEl>
-                    <p:sldTgt/>
-                  </p:tgtEl>
-                </p:cond>
-              </p:prevCondLst>
-              <p:nextCondLst>
-                <p:cond evt="onNext" delay="0">
-                  <p:tgtEl>
-                    <p:sldTgt/>
-                  </p:tgtEl>
-                </p:cond>
-              </p:nextCondLst>
-            </p:seq>
-          </p:childTnLst>
-        </p:cTn>
-      </p:par>
-    </p:tnLst>
-  </p:timing>
-</p:sld>
-</file>
-
-<file path=ppt/slides/slide20.xml><?xml version="1.0" encoding="utf-8"?>
+<file path=ppt/slides/slide21.xml><?xml version="1.0" encoding="utf-8"?>
 <p:sld xmlns:a="http://schemas.openxmlformats.org/drawingml/2006/main" xmlns:r="http://schemas.openxmlformats.org/officeDocument/2006/relationships" xmlns:p="http://schemas.openxmlformats.org/presentationml/2006/main">
   <p:cSld>
     <p:spTree>
@@ -14843,10 +15669,16 @@
           <p:cNvGraphicFramePr>
             <a:graphicFrameLocks noGrp="1"/>
           </p:cNvGraphicFramePr>
-          <p:nvPr/>
+          <p:nvPr>
+            <p:extLst>
+              <p:ext uri="{D42A27DB-BD31-4B8C-83A1-F6EECF244321}">
+                <p14:modId xmlns:p14="http://schemas.microsoft.com/office/powerpoint/2010/main" val="2217953291"/>
+              </p:ext>
+            </p:extLst>
+          </p:nvPr>
         </p:nvGraphicFramePr>
         <p:xfrm>
-          <a:off x="1583928" y="2699717"/>
+          <a:off x="1583928" y="2912149"/>
           <a:ext cx="6720417" cy="2595880"/>
         </p:xfrm>
         <a:graphic>
@@ -15269,7 +16101,12 @@
             <p:ph type="body"/>
           </p:nvPr>
         </p:nvSpPr>
-        <p:spPr/>
+        <p:spPr>
+          <a:xfrm>
+            <a:off x="431800" y="1259557"/>
+            <a:ext cx="9072000" cy="1258200"/>
+          </a:xfrm>
+        </p:spPr>
         <p:txBody>
           <a:bodyPr/>
           <a:lstStyle/>
@@ -15338,7 +16175,12 @@
             <p:ph type="title"/>
           </p:nvPr>
         </p:nvSpPr>
-        <p:spPr/>
+        <p:spPr>
+          <a:xfrm>
+            <a:off x="503808" y="179437"/>
+            <a:ext cx="9072000" cy="1258200"/>
+          </a:xfrm>
+        </p:spPr>
         <p:txBody>
           <a:bodyPr/>
           <a:lstStyle/>
@@ -15417,14 +16259,14 @@
   <p:timing>
     <p:tnLst>
       <p:par>
-        <p:cTn id="1" dur="indefinite" restart="never" nodeType="tmRoot"/>
+        <p:cTn xmlns:p14="http://schemas.microsoft.com/office/powerpoint/2010/main" id="1" dur="indefinite" restart="never" nodeType="tmRoot"/>
       </p:par>
     </p:tnLst>
   </p:timing>
 </p:sld>
 </file>
 
-<file path=ppt/slides/slide21.xml><?xml version="1.0" encoding="utf-8"?>
+<file path=ppt/slides/slide22.xml><?xml version="1.0" encoding="utf-8"?>
 <p:sld xmlns:a="http://schemas.openxmlformats.org/drawingml/2006/main" xmlns:r="http://schemas.openxmlformats.org/officeDocument/2006/relationships" xmlns:p="http://schemas.openxmlformats.org/presentationml/2006/main">
   <p:cSld>
     <p:spTree>
@@ -15535,7 +16377,7 @@
         <p:spPr>
           <a:xfrm>
             <a:off x="503808" y="1403573"/>
-            <a:ext cx="9068760" cy="4382280"/>
+            <a:ext cx="5112568" cy="432048"/>
           </a:xfrm>
         </p:spPr>
         <p:txBody>
@@ -15599,7 +16441,7 @@
         </p:blipFill>
         <p:spPr bwMode="auto">
           <a:xfrm>
-            <a:off x="1079872" y="1907629"/>
+            <a:off x="987796" y="1862652"/>
             <a:ext cx="7796932" cy="5229553"/>
           </a:xfrm>
           <a:prstGeom prst="rect">
@@ -15622,14 +16464,923 @@
   <p:timing>
     <p:tnLst>
       <p:par>
-        <p:cTn id="1" dur="indefinite" restart="never" nodeType="tmRoot"/>
+        <p:cTn xmlns:p14="http://schemas.microsoft.com/office/powerpoint/2010/main" id="1" dur="indefinite" restart="never" nodeType="tmRoot"/>
       </p:par>
     </p:tnLst>
   </p:timing>
 </p:sld>
 </file>
 
-<file path=ppt/slides/slide22.xml><?xml version="1.0" encoding="utf-8"?>
+<file path=ppt/slides/slide23.xml><?xml version="1.0" encoding="utf-8"?>
+<p:sld xmlns:a="http://schemas.openxmlformats.org/drawingml/2006/main" xmlns:r="http://schemas.openxmlformats.org/officeDocument/2006/relationships" xmlns:p="http://schemas.openxmlformats.org/presentationml/2006/main">
+  <p:cSld>
+    <p:spTree>
+      <p:nvGrpSpPr>
+        <p:cNvPr id="1" name=""/>
+        <p:cNvGrpSpPr/>
+        <p:nvPr/>
+      </p:nvGrpSpPr>
+      <p:grpSpPr>
+        <a:xfrm>
+          <a:off x="0" y="0"/>
+          <a:ext cx="0" cy="0"/>
+          <a:chOff x="0" y="0"/>
+          <a:chExt cx="0" cy="0"/>
+        </a:xfrm>
+      </p:grpSpPr>
+      <p:sp>
+        <p:nvSpPr>
+          <p:cNvPr id="163" name="CustomShape 1"/>
+          <p:cNvSpPr/>
+          <p:nvPr/>
+        </p:nvSpPr>
+        <p:spPr>
+          <a:xfrm>
+            <a:off x="504720" y="303120"/>
+            <a:ext cx="9072000" cy="1258200"/>
+          </a:xfrm>
+          <a:prstGeom prst="rect">
+            <a:avLst/>
+          </a:prstGeom>
+          <a:noFill/>
+          <a:ln>
+            <a:noFill/>
+          </a:ln>
+        </p:spPr>
+        <p:style>
+          <a:lnRef idx="0">
+            <a:scrgbClr r="0" g="0" b="0"/>
+          </a:lnRef>
+          <a:fillRef idx="0">
+            <a:scrgbClr r="0" g="0" b="0"/>
+          </a:fillRef>
+          <a:effectRef idx="0">
+            <a:scrgbClr r="0" g="0" b="0"/>
+          </a:effectRef>
+          <a:fontRef idx="minor"/>
+        </p:style>
+        <p:txBody>
+          <a:bodyPr lIns="0" tIns="0" rIns="0" bIns="0" anchor="ctr"/>
+          <a:lstStyle/>
+          <a:p>
+            <a:pPr>
+              <a:lnSpc>
+                <a:spcPct val="108000"/>
+              </a:lnSpc>
+            </a:pPr>
+            <a:r>
+              <a:rPr lang="pt-BR" sz="3000" b="1" spc="-1" dirty="0" smtClean="0">
+                <a:solidFill>
+                  <a:srgbClr val="000000"/>
+                </a:solidFill>
+                <a:uFill>
+                  <a:solidFill>
+                    <a:srgbClr val="FFFFFF"/>
+                  </a:solidFill>
+                </a:uFill>
+                <a:latin typeface="Century Schoolbook" pitchFamily="18" charset="0"/>
+                <a:ea typeface="DejaVu Sans"/>
+              </a:rPr>
+              <a:t>CONCLUS</a:t>
+            </a:r>
+            <a:r>
+              <a:rPr lang="pt-BR" sz="3000" b="1" spc="-1" dirty="0" smtClean="0">
+                <a:solidFill>
+                  <a:srgbClr val="000000"/>
+                </a:solidFill>
+                <a:uFill>
+                  <a:solidFill>
+                    <a:srgbClr val="FFFFFF"/>
+                  </a:solidFill>
+                </a:uFill>
+                <a:latin typeface="Century Schoolbook" pitchFamily="18" charset="0"/>
+                <a:ea typeface="DejaVu Sans"/>
+              </a:rPr>
+              <a:t>ÃO</a:t>
+            </a:r>
+            <a:endParaRPr lang="pt-BR" sz="1800" b="1" strike="noStrike" spc="-1" dirty="0">
+              <a:solidFill>
+                <a:srgbClr val="000000"/>
+              </a:solidFill>
+              <a:uFill>
+                <a:solidFill>
+                  <a:srgbClr val="FFFFFF"/>
+                </a:solidFill>
+              </a:uFill>
+              <a:latin typeface="Century Schoolbook" pitchFamily="18" charset="0"/>
+            </a:endParaRPr>
+          </a:p>
+        </p:txBody>
+      </p:sp>
+      <p:sp>
+        <p:nvSpPr>
+          <p:cNvPr id="164" name="CustomShape 2"/>
+          <p:cNvSpPr/>
+          <p:nvPr/>
+        </p:nvSpPr>
+        <p:spPr>
+          <a:xfrm>
+            <a:off x="359792" y="1475581"/>
+            <a:ext cx="9068760" cy="5107861"/>
+          </a:xfrm>
+          <a:prstGeom prst="rect">
+            <a:avLst/>
+          </a:prstGeom>
+          <a:noFill/>
+          <a:ln w="9360">
+            <a:noFill/>
+          </a:ln>
+        </p:spPr>
+        <p:style>
+          <a:lnRef idx="0">
+            <a:scrgbClr r="0" g="0" b="0"/>
+          </a:lnRef>
+          <a:fillRef idx="0">
+            <a:scrgbClr r="0" g="0" b="0"/>
+          </a:fillRef>
+          <a:effectRef idx="0">
+            <a:scrgbClr r="0" g="0" b="0"/>
+          </a:effectRef>
+          <a:fontRef idx="minor"/>
+        </p:style>
+        <p:txBody>
+          <a:bodyPr lIns="0" tIns="0" rIns="0" bIns="0"/>
+          <a:lstStyle/>
+          <a:p>
+            <a:pPr marL="432000" indent="-323640" algn="just">
+              <a:lnSpc>
+                <a:spcPct val="100000"/>
+              </a:lnSpc>
+              <a:buClr>
+                <a:srgbClr val="000000"/>
+              </a:buClr>
+              <a:buSzPct val="45000"/>
+              <a:buFont typeface="Wingdings" charset="2"/>
+              <a:buChar char=""/>
+            </a:pPr>
+            <a:r>
+              <a:rPr lang="pt-BR" sz="2400" spc="-1" dirty="0" smtClean="0">
+                <a:solidFill>
+                  <a:srgbClr val="000000"/>
+                </a:solidFill>
+                <a:uFill>
+                  <a:solidFill>
+                    <a:srgbClr val="FFFFFF"/>
+                  </a:solidFill>
+                </a:uFill>
+                <a:latin typeface="Century Schoolbook" pitchFamily="18" charset="0"/>
+              </a:rPr>
+              <a:t>Em geral, n</a:t>
+            </a:r>
+            <a:r>
+              <a:rPr lang="pt-BR" sz="2400" spc="-1" dirty="0" smtClean="0">
+                <a:solidFill>
+                  <a:srgbClr val="000000"/>
+                </a:solidFill>
+                <a:uFill>
+                  <a:solidFill>
+                    <a:srgbClr val="FFFFFF"/>
+                  </a:solidFill>
+                </a:uFill>
+                <a:latin typeface="Century Schoolbook" pitchFamily="18" charset="0"/>
+              </a:rPr>
+              <a:t>ão há diferença significativa na segmentação de uma imagem utilizando soma simétrica e uma imagem usando média aritmética para transformá-las em tons de cinza. </a:t>
+            </a:r>
+          </a:p>
+          <a:p>
+            <a:pPr marL="108360" algn="just">
+              <a:lnSpc>
+                <a:spcPct val="100000"/>
+              </a:lnSpc>
+              <a:buClr>
+                <a:srgbClr val="000000"/>
+              </a:buClr>
+              <a:buSzPct val="45000"/>
+            </a:pPr>
+            <a:endParaRPr lang="pt-BR" sz="2400" spc="-1" dirty="0" smtClean="0">
+              <a:solidFill>
+                <a:srgbClr val="000000"/>
+              </a:solidFill>
+              <a:uFill>
+                <a:solidFill>
+                  <a:srgbClr val="FFFFFF"/>
+                </a:solidFill>
+              </a:uFill>
+              <a:latin typeface="Century Schoolbook" pitchFamily="18" charset="0"/>
+            </a:endParaRPr>
+          </a:p>
+          <a:p>
+            <a:pPr marL="432000" indent="-323640" algn="just">
+              <a:lnSpc>
+                <a:spcPct val="100000"/>
+              </a:lnSpc>
+              <a:buClr>
+                <a:srgbClr val="000000"/>
+              </a:buClr>
+              <a:buSzPct val="45000"/>
+              <a:buFont typeface="Wingdings" charset="2"/>
+              <a:buChar char=""/>
+            </a:pPr>
+            <a:r>
+              <a:rPr lang="pt-BR" sz="2400" spc="-1" dirty="0" smtClean="0">
+                <a:solidFill>
+                  <a:srgbClr val="000000"/>
+                </a:solidFill>
+                <a:uFill>
+                  <a:solidFill>
+                    <a:srgbClr val="FFFFFF"/>
+                  </a:solidFill>
+                </a:uFill>
+                <a:latin typeface="Century Schoolbook" pitchFamily="18" charset="0"/>
+              </a:rPr>
+              <a:t>Os algoritmos de </a:t>
+            </a:r>
+            <a:r>
+              <a:rPr lang="pt-BR" sz="2400" spc="-1" dirty="0" err="1" smtClean="0">
+                <a:solidFill>
+                  <a:srgbClr val="000000"/>
+                </a:solidFill>
+                <a:uFill>
+                  <a:solidFill>
+                    <a:srgbClr val="FFFFFF"/>
+                  </a:solidFill>
+                </a:uFill>
+                <a:latin typeface="Century Schoolbook" pitchFamily="18" charset="0"/>
+              </a:rPr>
+              <a:t>Fuzzy</a:t>
+            </a:r>
+            <a:r>
+              <a:rPr lang="pt-BR" sz="2400" spc="-1" dirty="0" smtClean="0">
+                <a:solidFill>
+                  <a:srgbClr val="000000"/>
+                </a:solidFill>
+                <a:uFill>
+                  <a:solidFill>
+                    <a:srgbClr val="FFFFFF"/>
+                  </a:solidFill>
+                </a:uFill>
+                <a:latin typeface="Century Schoolbook" pitchFamily="18" charset="0"/>
+              </a:rPr>
+              <a:t> C-</a:t>
+            </a:r>
+            <a:r>
+              <a:rPr lang="pt-BR" sz="2400" spc="-1" dirty="0" err="1" smtClean="0">
+                <a:solidFill>
+                  <a:srgbClr val="000000"/>
+                </a:solidFill>
+                <a:uFill>
+                  <a:solidFill>
+                    <a:srgbClr val="FFFFFF"/>
+                  </a:solidFill>
+                </a:uFill>
+                <a:latin typeface="Century Schoolbook" pitchFamily="18" charset="0"/>
+              </a:rPr>
+              <a:t>means</a:t>
+            </a:r>
+            <a:r>
+              <a:rPr lang="pt-BR" sz="2400" spc="-1" dirty="0" smtClean="0">
+                <a:solidFill>
+                  <a:srgbClr val="000000"/>
+                </a:solidFill>
+                <a:uFill>
+                  <a:solidFill>
+                    <a:srgbClr val="FFFFFF"/>
+                  </a:solidFill>
+                </a:uFill>
+                <a:latin typeface="Century Schoolbook" pitchFamily="18" charset="0"/>
+              </a:rPr>
+              <a:t>, </a:t>
+            </a:r>
+            <a:r>
+              <a:rPr lang="pt-BR" sz="2400" spc="-1" dirty="0" err="1" smtClean="0">
+                <a:solidFill>
+                  <a:srgbClr val="000000"/>
+                </a:solidFill>
+                <a:uFill>
+                  <a:solidFill>
+                    <a:srgbClr val="FFFFFF"/>
+                  </a:solidFill>
+                </a:uFill>
+                <a:latin typeface="Century Schoolbook" pitchFamily="18" charset="0"/>
+              </a:rPr>
+              <a:t>Otsu</a:t>
+            </a:r>
+            <a:r>
+              <a:rPr lang="pt-BR" sz="2400" spc="-1" dirty="0" smtClean="0">
+                <a:solidFill>
+                  <a:srgbClr val="000000"/>
+                </a:solidFill>
+                <a:uFill>
+                  <a:solidFill>
+                    <a:srgbClr val="FFFFFF"/>
+                  </a:solidFill>
+                </a:uFill>
+                <a:latin typeface="Century Schoolbook" pitchFamily="18" charset="0"/>
+              </a:rPr>
+              <a:t> e Entropia de </a:t>
+            </a:r>
+            <a:r>
+              <a:rPr lang="pt-BR" sz="2400" spc="-1" dirty="0" err="1" smtClean="0">
+                <a:solidFill>
+                  <a:srgbClr val="000000"/>
+                </a:solidFill>
+                <a:uFill>
+                  <a:solidFill>
+                    <a:srgbClr val="FFFFFF"/>
+                  </a:solidFill>
+                </a:uFill>
+                <a:latin typeface="Century Schoolbook" pitchFamily="18" charset="0"/>
+              </a:rPr>
+              <a:t>Renyi</a:t>
+            </a:r>
+            <a:r>
+              <a:rPr lang="pt-BR" sz="2400" spc="-1" dirty="0" smtClean="0">
+                <a:solidFill>
+                  <a:srgbClr val="000000"/>
+                </a:solidFill>
+                <a:uFill>
+                  <a:solidFill>
+                    <a:srgbClr val="FFFFFF"/>
+                  </a:solidFill>
+                </a:uFill>
+                <a:latin typeface="Century Schoolbook" pitchFamily="18" charset="0"/>
+              </a:rPr>
+              <a:t> apresentaram melhor desempenho na segmentação do núcleo das células.</a:t>
+            </a:r>
+          </a:p>
+          <a:p>
+            <a:pPr marL="432000" indent="-323640" algn="just">
+              <a:lnSpc>
+                <a:spcPct val="100000"/>
+              </a:lnSpc>
+              <a:buClr>
+                <a:srgbClr val="000000"/>
+              </a:buClr>
+              <a:buSzPct val="45000"/>
+              <a:buFont typeface="Wingdings" charset="2"/>
+              <a:buChar char=""/>
+            </a:pPr>
+            <a:endParaRPr lang="pt-BR" sz="2400" spc="-1" dirty="0">
+              <a:solidFill>
+                <a:srgbClr val="000000"/>
+              </a:solidFill>
+              <a:uFill>
+                <a:solidFill>
+                  <a:srgbClr val="FFFFFF"/>
+                </a:solidFill>
+              </a:uFill>
+              <a:latin typeface="Century Schoolbook" pitchFamily="18" charset="0"/>
+            </a:endParaRPr>
+          </a:p>
+          <a:p>
+            <a:pPr marL="432000" indent="-323640" algn="just">
+              <a:lnSpc>
+                <a:spcPct val="100000"/>
+              </a:lnSpc>
+              <a:buClr>
+                <a:srgbClr val="000000"/>
+              </a:buClr>
+              <a:buSzPct val="45000"/>
+              <a:buFont typeface="Wingdings" charset="2"/>
+              <a:buChar char=""/>
+            </a:pPr>
+            <a:r>
+              <a:rPr lang="pt-BR" sz="2400" spc="-1" dirty="0" smtClean="0">
+                <a:solidFill>
+                  <a:srgbClr val="000000"/>
+                </a:solidFill>
+                <a:uFill>
+                  <a:solidFill>
+                    <a:srgbClr val="FFFFFF"/>
+                  </a:solidFill>
+                </a:uFill>
+                <a:latin typeface="Century Schoolbook" pitchFamily="18" charset="0"/>
+              </a:rPr>
+              <a:t>Esses três algoritmos são bons para segmentar o núcleo das células das classes Carcinoma e </a:t>
+            </a:r>
+            <a:r>
+              <a:rPr lang="pt-BR" sz="2400" spc="-1" dirty="0" err="1" smtClean="0">
+                <a:solidFill>
+                  <a:srgbClr val="000000"/>
+                </a:solidFill>
+                <a:uFill>
+                  <a:solidFill>
+                    <a:srgbClr val="FFFFFF"/>
+                  </a:solidFill>
+                </a:uFill>
+                <a:latin typeface="Century Schoolbook" pitchFamily="18" charset="0"/>
+              </a:rPr>
+              <a:t>Dyaplastic</a:t>
+            </a:r>
+            <a:r>
+              <a:rPr lang="pt-BR" sz="2400" spc="-1" dirty="0" smtClean="0">
+                <a:solidFill>
+                  <a:srgbClr val="000000"/>
+                </a:solidFill>
+                <a:uFill>
+                  <a:solidFill>
+                    <a:srgbClr val="FFFFFF"/>
+                  </a:solidFill>
+                </a:uFill>
+                <a:latin typeface="Century Schoolbook" pitchFamily="18" charset="0"/>
+              </a:rPr>
+              <a:t> </a:t>
+            </a:r>
+            <a:r>
+              <a:rPr lang="pt-BR" sz="2400" spc="-1" dirty="0" err="1" smtClean="0">
+                <a:solidFill>
+                  <a:srgbClr val="000000"/>
+                </a:solidFill>
+                <a:uFill>
+                  <a:solidFill>
+                    <a:srgbClr val="FFFFFF"/>
+                  </a:solidFill>
+                </a:uFill>
+                <a:latin typeface="Century Schoolbook" pitchFamily="18" charset="0"/>
+              </a:rPr>
+              <a:t>Moderate</a:t>
+            </a:r>
+            <a:r>
+              <a:rPr lang="pt-BR" sz="2400" spc="-1" dirty="0" smtClean="0">
+                <a:solidFill>
+                  <a:srgbClr val="000000"/>
+                </a:solidFill>
+                <a:uFill>
+                  <a:solidFill>
+                    <a:srgbClr val="FFFFFF"/>
+                  </a:solidFill>
+                </a:uFill>
+                <a:latin typeface="Century Schoolbook" pitchFamily="18" charset="0"/>
+              </a:rPr>
+              <a:t>. No entanto, nenhum dos cinco algoritmos realizou uma boa segmentação do núcleo para células do tipo Normal </a:t>
+            </a:r>
+            <a:r>
+              <a:rPr lang="pt-BR" sz="2400" spc="-1" dirty="0" err="1" smtClean="0">
+                <a:solidFill>
+                  <a:srgbClr val="000000"/>
+                </a:solidFill>
+                <a:uFill>
+                  <a:solidFill>
+                    <a:srgbClr val="FFFFFF"/>
+                  </a:solidFill>
+                </a:uFill>
+                <a:latin typeface="Century Schoolbook" pitchFamily="18" charset="0"/>
+              </a:rPr>
+              <a:t>Intermediate</a:t>
+            </a:r>
+            <a:r>
+              <a:rPr lang="pt-BR" sz="2400" spc="-1" dirty="0" smtClean="0">
+                <a:solidFill>
+                  <a:srgbClr val="000000"/>
+                </a:solidFill>
+                <a:uFill>
+                  <a:solidFill>
+                    <a:srgbClr val="FFFFFF"/>
+                  </a:solidFill>
+                </a:uFill>
+                <a:latin typeface="Century Schoolbook" pitchFamily="18" charset="0"/>
+              </a:rPr>
+              <a:t>.  </a:t>
+            </a:r>
+          </a:p>
+          <a:p>
+            <a:pPr marL="432000" indent="-323640" algn="just">
+              <a:lnSpc>
+                <a:spcPct val="100000"/>
+              </a:lnSpc>
+              <a:buClr>
+                <a:srgbClr val="000000"/>
+              </a:buClr>
+              <a:buSzPct val="45000"/>
+              <a:buFont typeface="Wingdings" charset="2"/>
+              <a:buChar char=""/>
+            </a:pPr>
+            <a:endParaRPr lang="pt-BR" sz="2400" spc="-1" dirty="0" smtClean="0">
+              <a:solidFill>
+                <a:srgbClr val="000000"/>
+              </a:solidFill>
+              <a:uFill>
+                <a:solidFill>
+                  <a:srgbClr val="FFFFFF"/>
+                </a:solidFill>
+              </a:uFill>
+              <a:latin typeface="Century Schoolbook" pitchFamily="18" charset="0"/>
+            </a:endParaRPr>
+          </a:p>
+          <a:p>
+            <a:pPr marL="108360" algn="just">
+              <a:lnSpc>
+                <a:spcPct val="100000"/>
+              </a:lnSpc>
+              <a:buClr>
+                <a:srgbClr val="000000"/>
+              </a:buClr>
+              <a:buSzPct val="45000"/>
+            </a:pPr>
+            <a:endParaRPr lang="pt-BR" sz="2400" spc="-1" dirty="0">
+              <a:solidFill>
+                <a:srgbClr val="000000"/>
+              </a:solidFill>
+              <a:uFill>
+                <a:solidFill>
+                  <a:srgbClr val="FFFFFF"/>
+                </a:solidFill>
+              </a:uFill>
+              <a:latin typeface="Century Schoolbook" pitchFamily="18" charset="0"/>
+            </a:endParaRPr>
+          </a:p>
+          <a:p>
+            <a:pPr marL="432000" indent="-323640" algn="just">
+              <a:lnSpc>
+                <a:spcPct val="100000"/>
+              </a:lnSpc>
+              <a:buClr>
+                <a:srgbClr val="000000"/>
+              </a:buClr>
+              <a:buSzPct val="45000"/>
+            </a:pPr>
+            <a:endParaRPr lang="pt-BR" sz="2400" strike="noStrike" spc="-1" dirty="0">
+              <a:solidFill>
+                <a:srgbClr val="000000"/>
+              </a:solidFill>
+              <a:uFill>
+                <a:solidFill>
+                  <a:srgbClr val="FFFFFF"/>
+                </a:solidFill>
+              </a:uFill>
+              <a:latin typeface="Century Schoolbook" pitchFamily="18" charset="0"/>
+            </a:endParaRPr>
+          </a:p>
+        </p:txBody>
+      </p:sp>
+    </p:spTree>
+    <p:extLst>
+      <p:ext uri="{BB962C8B-B14F-4D97-AF65-F5344CB8AC3E}">
+        <p14:creationId xmlns:p14="http://schemas.microsoft.com/office/powerpoint/2010/main" val="1118528583"/>
+      </p:ext>
+    </p:extLst>
+  </p:cSld>
+  <p:clrMapOvr>
+    <a:masterClrMapping/>
+  </p:clrMapOvr>
+  <p:timing>
+    <p:tnLst>
+      <p:par>
+        <p:cTn xmlns:p14="http://schemas.microsoft.com/office/powerpoint/2010/main" id="1" dur="indefinite" restart="never" nodeType="tmRoot">
+          <p:childTnLst>
+            <p:seq>
+              <p:cTn id="2" nodeType="mainSeq"/>
+              <p:prevCondLst>
+                <p:cond evt="onPrev" delay="0">
+                  <p:tgtEl>
+                    <p:sldTgt/>
+                  </p:tgtEl>
+                </p:cond>
+              </p:prevCondLst>
+              <p:nextCondLst>
+                <p:cond evt="onNext" delay="0">
+                  <p:tgtEl>
+                    <p:sldTgt/>
+                  </p:tgtEl>
+                </p:cond>
+              </p:nextCondLst>
+            </p:seq>
+          </p:childTnLst>
+        </p:cTn>
+      </p:par>
+    </p:tnLst>
+  </p:timing>
+</p:sld>
+</file>
+
+<file path=ppt/slides/slide24.xml><?xml version="1.0" encoding="utf-8"?>
+<p:sld xmlns:a="http://schemas.openxmlformats.org/drawingml/2006/main" xmlns:r="http://schemas.openxmlformats.org/officeDocument/2006/relationships" xmlns:p="http://schemas.openxmlformats.org/presentationml/2006/main">
+  <p:cSld>
+    <p:spTree>
+      <p:nvGrpSpPr>
+        <p:cNvPr id="1" name=""/>
+        <p:cNvGrpSpPr/>
+        <p:nvPr/>
+      </p:nvGrpSpPr>
+      <p:grpSpPr>
+        <a:xfrm>
+          <a:off x="0" y="0"/>
+          <a:ext cx="0" cy="0"/>
+          <a:chOff x="0" y="0"/>
+          <a:chExt cx="0" cy="0"/>
+        </a:xfrm>
+      </p:grpSpPr>
+      <p:sp>
+        <p:nvSpPr>
+          <p:cNvPr id="163" name="CustomShape 1"/>
+          <p:cNvSpPr/>
+          <p:nvPr/>
+        </p:nvSpPr>
+        <p:spPr>
+          <a:xfrm>
+            <a:off x="504720" y="303120"/>
+            <a:ext cx="9072000" cy="1258200"/>
+          </a:xfrm>
+          <a:prstGeom prst="rect">
+            <a:avLst/>
+          </a:prstGeom>
+          <a:noFill/>
+          <a:ln>
+            <a:noFill/>
+          </a:ln>
+        </p:spPr>
+        <p:style>
+          <a:lnRef idx="0">
+            <a:scrgbClr r="0" g="0" b="0"/>
+          </a:lnRef>
+          <a:fillRef idx="0">
+            <a:scrgbClr r="0" g="0" b="0"/>
+          </a:fillRef>
+          <a:effectRef idx="0">
+            <a:scrgbClr r="0" g="0" b="0"/>
+          </a:effectRef>
+          <a:fontRef idx="minor"/>
+        </p:style>
+        <p:txBody>
+          <a:bodyPr lIns="0" tIns="0" rIns="0" bIns="0" anchor="ctr"/>
+          <a:lstStyle/>
+          <a:p>
+            <a:pPr>
+              <a:lnSpc>
+                <a:spcPct val="108000"/>
+              </a:lnSpc>
+            </a:pPr>
+            <a:r>
+              <a:rPr lang="pt-BR" sz="3000" b="1" spc="-1" dirty="0" smtClean="0">
+                <a:solidFill>
+                  <a:srgbClr val="000000"/>
+                </a:solidFill>
+                <a:uFill>
+                  <a:solidFill>
+                    <a:srgbClr val="FFFFFF"/>
+                  </a:solidFill>
+                </a:uFill>
+                <a:latin typeface="Century Schoolbook" pitchFamily="18" charset="0"/>
+                <a:ea typeface="DejaVu Sans"/>
+              </a:rPr>
+              <a:t>CONCLUS</a:t>
+            </a:r>
+            <a:r>
+              <a:rPr lang="pt-BR" sz="3000" b="1" spc="-1" dirty="0" smtClean="0">
+                <a:solidFill>
+                  <a:srgbClr val="000000"/>
+                </a:solidFill>
+                <a:uFill>
+                  <a:solidFill>
+                    <a:srgbClr val="FFFFFF"/>
+                  </a:solidFill>
+                </a:uFill>
+                <a:latin typeface="Century Schoolbook" pitchFamily="18" charset="0"/>
+                <a:ea typeface="DejaVu Sans"/>
+              </a:rPr>
+              <a:t>ÃO</a:t>
+            </a:r>
+            <a:endParaRPr lang="pt-BR" sz="1800" b="1" strike="noStrike" spc="-1" dirty="0">
+              <a:solidFill>
+                <a:srgbClr val="000000"/>
+              </a:solidFill>
+              <a:uFill>
+                <a:solidFill>
+                  <a:srgbClr val="FFFFFF"/>
+                </a:solidFill>
+              </a:uFill>
+              <a:latin typeface="Century Schoolbook" pitchFamily="18" charset="0"/>
+            </a:endParaRPr>
+          </a:p>
+        </p:txBody>
+      </p:sp>
+      <p:sp>
+        <p:nvSpPr>
+          <p:cNvPr id="164" name="CustomShape 2"/>
+          <p:cNvSpPr/>
+          <p:nvPr/>
+        </p:nvSpPr>
+        <p:spPr>
+          <a:xfrm>
+            <a:off x="503280" y="1768319"/>
+            <a:ext cx="9068760" cy="5107861"/>
+          </a:xfrm>
+          <a:prstGeom prst="rect">
+            <a:avLst/>
+          </a:prstGeom>
+          <a:noFill/>
+          <a:ln w="9360">
+            <a:noFill/>
+          </a:ln>
+        </p:spPr>
+        <p:style>
+          <a:lnRef idx="0">
+            <a:scrgbClr r="0" g="0" b="0"/>
+          </a:lnRef>
+          <a:fillRef idx="0">
+            <a:scrgbClr r="0" g="0" b="0"/>
+          </a:fillRef>
+          <a:effectRef idx="0">
+            <a:scrgbClr r="0" g="0" b="0"/>
+          </a:effectRef>
+          <a:fontRef idx="minor"/>
+        </p:style>
+        <p:txBody>
+          <a:bodyPr lIns="0" tIns="0" rIns="0" bIns="0"/>
+          <a:lstStyle/>
+          <a:p>
+            <a:pPr marL="432000" indent="-323640" algn="just">
+              <a:lnSpc>
+                <a:spcPct val="100000"/>
+              </a:lnSpc>
+              <a:buClr>
+                <a:srgbClr val="000000"/>
+              </a:buClr>
+              <a:buSzPct val="45000"/>
+              <a:buFont typeface="Wingdings" charset="2"/>
+              <a:buChar char=""/>
+            </a:pPr>
+            <a:r>
+              <a:rPr lang="pt-BR" sz="2400" spc="-1" dirty="0" smtClean="0">
+                <a:solidFill>
+                  <a:srgbClr val="000000"/>
+                </a:solidFill>
+                <a:uFill>
+                  <a:solidFill>
+                    <a:srgbClr val="FFFFFF"/>
+                  </a:solidFill>
+                </a:uFill>
+                <a:latin typeface="Century Schoolbook" pitchFamily="18" charset="0"/>
+              </a:rPr>
+              <a:t>Com esse trabalho, constatamos que o processo de segmenta</a:t>
+            </a:r>
+            <a:r>
+              <a:rPr lang="pt-BR" sz="2400" spc="-1" dirty="0" smtClean="0">
+                <a:solidFill>
+                  <a:srgbClr val="000000"/>
+                </a:solidFill>
+                <a:uFill>
+                  <a:solidFill>
+                    <a:srgbClr val="FFFFFF"/>
+                  </a:solidFill>
+                </a:uFill>
+                <a:latin typeface="Century Schoolbook" pitchFamily="18" charset="0"/>
+              </a:rPr>
+              <a:t>ção de imagens de células é algo desafiador. </a:t>
+            </a:r>
+          </a:p>
+          <a:p>
+            <a:pPr marL="432000" indent="-323640" algn="just">
+              <a:lnSpc>
+                <a:spcPct val="100000"/>
+              </a:lnSpc>
+              <a:buClr>
+                <a:srgbClr val="000000"/>
+              </a:buClr>
+              <a:buSzPct val="45000"/>
+              <a:buFont typeface="Wingdings" charset="2"/>
+              <a:buChar char=""/>
+            </a:pPr>
+            <a:endParaRPr lang="pt-BR" sz="2400" spc="-1" dirty="0" smtClean="0">
+              <a:solidFill>
+                <a:srgbClr val="000000"/>
+              </a:solidFill>
+              <a:uFill>
+                <a:solidFill>
+                  <a:srgbClr val="FFFFFF"/>
+                </a:solidFill>
+              </a:uFill>
+              <a:latin typeface="Century Schoolbook" pitchFamily="18" charset="0"/>
+            </a:endParaRPr>
+          </a:p>
+          <a:p>
+            <a:pPr marL="432000" indent="-323640" algn="just">
+              <a:lnSpc>
+                <a:spcPct val="100000"/>
+              </a:lnSpc>
+              <a:buClr>
+                <a:srgbClr val="000000"/>
+              </a:buClr>
+              <a:buSzPct val="45000"/>
+              <a:buFont typeface="Wingdings" charset="2"/>
+              <a:buChar char=""/>
+            </a:pPr>
+            <a:r>
+              <a:rPr lang="pt-BR" sz="2400" spc="-1" dirty="0">
+                <a:solidFill>
+                  <a:srgbClr val="000000"/>
+                </a:solidFill>
+                <a:uFill>
+                  <a:solidFill>
+                    <a:srgbClr val="FFFFFF"/>
+                  </a:solidFill>
+                </a:uFill>
+                <a:latin typeface="Century Schoolbook" pitchFamily="18" charset="0"/>
+              </a:rPr>
+              <a:t>D</a:t>
+            </a:r>
+            <a:r>
+              <a:rPr lang="pt-BR" sz="2400" spc="-1" dirty="0" smtClean="0">
+                <a:solidFill>
+                  <a:srgbClr val="000000"/>
+                </a:solidFill>
+                <a:uFill>
+                  <a:solidFill>
+                    <a:srgbClr val="FFFFFF"/>
+                  </a:solidFill>
+                </a:uFill>
+                <a:latin typeface="Century Schoolbook" pitchFamily="18" charset="0"/>
+              </a:rPr>
+              <a:t>ependendo da classe da célula ou de que parte da célula você quer segmentar, o melhor algoritmo para segmentação muda. Assim, torna-se difícil automatizar o processo.</a:t>
+            </a:r>
+          </a:p>
+          <a:p>
+            <a:pPr marL="108360" algn="just">
+              <a:lnSpc>
+                <a:spcPct val="100000"/>
+              </a:lnSpc>
+              <a:buClr>
+                <a:srgbClr val="000000"/>
+              </a:buClr>
+              <a:buSzPct val="45000"/>
+            </a:pPr>
+            <a:endParaRPr lang="pt-BR" sz="2400" spc="-1" dirty="0">
+              <a:solidFill>
+                <a:srgbClr val="000000"/>
+              </a:solidFill>
+              <a:uFill>
+                <a:solidFill>
+                  <a:srgbClr val="FFFFFF"/>
+                </a:solidFill>
+              </a:uFill>
+              <a:latin typeface="Century Schoolbook" pitchFamily="18" charset="0"/>
+            </a:endParaRPr>
+          </a:p>
+          <a:p>
+            <a:pPr marL="432000" indent="-323640" algn="just">
+              <a:lnSpc>
+                <a:spcPct val="100000"/>
+              </a:lnSpc>
+              <a:buClr>
+                <a:srgbClr val="000000"/>
+              </a:buClr>
+              <a:buSzPct val="45000"/>
+            </a:pPr>
+            <a:endParaRPr lang="pt-BR" sz="2400" strike="noStrike" spc="-1" dirty="0">
+              <a:solidFill>
+                <a:srgbClr val="000000"/>
+              </a:solidFill>
+              <a:uFill>
+                <a:solidFill>
+                  <a:srgbClr val="FFFFFF"/>
+                </a:solidFill>
+              </a:uFill>
+              <a:latin typeface="Century Schoolbook" pitchFamily="18" charset="0"/>
+            </a:endParaRPr>
+          </a:p>
+        </p:txBody>
+      </p:sp>
+    </p:spTree>
+    <p:extLst>
+      <p:ext uri="{BB962C8B-B14F-4D97-AF65-F5344CB8AC3E}">
+        <p14:creationId xmlns:p14="http://schemas.microsoft.com/office/powerpoint/2010/main" val="3220461586"/>
+      </p:ext>
+    </p:extLst>
+  </p:cSld>
+  <p:clrMapOvr>
+    <a:masterClrMapping/>
+  </p:clrMapOvr>
+  <p:timing>
+    <p:tnLst>
+      <p:par>
+        <p:cTn xmlns:p14="http://schemas.microsoft.com/office/powerpoint/2010/main" id="1" dur="indefinite" restart="never" nodeType="tmRoot">
+          <p:childTnLst>
+            <p:seq>
+              <p:cTn id="2" nodeType="mainSeq"/>
+              <p:prevCondLst>
+                <p:cond evt="onPrev" delay="0">
+                  <p:tgtEl>
+                    <p:sldTgt/>
+                  </p:tgtEl>
+                </p:cond>
+              </p:prevCondLst>
+              <p:nextCondLst>
+                <p:cond evt="onNext" delay="0">
+                  <p:tgtEl>
+                    <p:sldTgt/>
+                  </p:tgtEl>
+                </p:cond>
+              </p:nextCondLst>
+            </p:seq>
+          </p:childTnLst>
+        </p:cTn>
+      </p:par>
+    </p:tnLst>
+  </p:timing>
+</p:sld>
+</file>
+
+<file path=ppt/slides/slide25.xml><?xml version="1.0" encoding="utf-8"?>
 <p:sld xmlns:a="http://schemas.openxmlformats.org/drawingml/2006/main" xmlns:r="http://schemas.openxmlformats.org/officeDocument/2006/relationships" xmlns:p="http://schemas.openxmlformats.org/presentationml/2006/main">
   <p:cSld>
     <p:spTree>
@@ -16083,14 +17834,14 @@
   <p:timing>
     <p:tnLst>
       <p:par>
-        <p:cTn id="1" dur="indefinite" restart="never" nodeType="tmRoot"/>
+        <p:cTn xmlns:p14="http://schemas.microsoft.com/office/powerpoint/2010/main" id="1" dur="indefinite" restart="never" nodeType="tmRoot"/>
       </p:par>
     </p:tnLst>
   </p:timing>
 </p:sld>
 </file>
 
-<file path=ppt/slides/slide23.xml><?xml version="1.0" encoding="utf-8"?>
+<file path=ppt/slides/slide26.xml><?xml version="1.0" encoding="utf-8"?>
 <p:sld xmlns:a="http://schemas.openxmlformats.org/drawingml/2006/main" xmlns:r="http://schemas.openxmlformats.org/officeDocument/2006/relationships" xmlns:p="http://schemas.openxmlformats.org/presentationml/2006/main">
   <p:cSld>
     <p:spTree>
@@ -16153,7 +17904,12 @@
             <p:ph type="body"/>
           </p:nvPr>
         </p:nvSpPr>
-        <p:spPr/>
+        <p:spPr>
+          <a:xfrm>
+            <a:off x="288792" y="2915741"/>
+            <a:ext cx="9072000" cy="1258200"/>
+          </a:xfrm>
+        </p:spPr>
         <p:txBody>
           <a:bodyPr/>
           <a:lstStyle/>
@@ -16494,7 +18250,7 @@
   <p:timing>
     <p:tnLst>
       <p:par>
-        <p:cTn id="1" dur="indefinite" restart="never" nodeType="tmRoot"/>
+        <p:cTn xmlns:p14="http://schemas.microsoft.com/office/powerpoint/2010/main" id="1" dur="indefinite" restart="never" nodeType="tmRoot"/>
       </p:par>
     </p:tnLst>
   </p:timing>
@@ -16748,18 +18504,32 @@
               <a:buChar char=""/>
             </a:pPr>
             <a:r>
-              <a:rPr lang="pt-BR" sz="2200" strike="noStrike" spc="-1" dirty="0">
-                <a:solidFill>
-                  <a:srgbClr val="000000"/>
-                </a:solidFill>
-                <a:uFill>
-                  <a:solidFill>
-                    <a:srgbClr val="FFFFFF"/>
-                  </a:solidFill>
-                </a:uFill>
-                <a:latin typeface="Century Schoolbook" pitchFamily="18" charset="0"/>
-              </a:rPr>
-              <a:t>índice </a:t>
+              <a:rPr lang="pt-BR" sz="2200" spc="-1" dirty="0" smtClean="0">
+                <a:solidFill>
+                  <a:srgbClr val="000000"/>
+                </a:solidFill>
+                <a:uFill>
+                  <a:solidFill>
+                    <a:srgbClr val="FFFFFF"/>
+                  </a:solidFill>
+                </a:uFill>
+                <a:latin typeface="Century Schoolbook" pitchFamily="18" charset="0"/>
+              </a:rPr>
+              <a:t>Í</a:t>
+            </a:r>
+            <a:r>
+              <a:rPr lang="pt-BR" sz="2200" strike="noStrike" spc="-1" dirty="0" smtClean="0">
+                <a:solidFill>
+                  <a:srgbClr val="000000"/>
+                </a:solidFill>
+                <a:uFill>
+                  <a:solidFill>
+                    <a:srgbClr val="FFFFFF"/>
+                  </a:solidFill>
+                </a:uFill>
+                <a:latin typeface="Century Schoolbook" pitchFamily="18" charset="0"/>
+              </a:rPr>
+              <a:t>ndice </a:t>
             </a:r>
             <a:r>
               <a:rPr lang="pt-BR" sz="2200" strike="noStrike" spc="-1" dirty="0" err="1">
@@ -17043,7 +18813,7 @@
   <p:timing>
     <p:tnLst>
       <p:par>
-        <p:cTn id="1" dur="indefinite" restart="never" nodeType="tmRoot">
+        <p:cTn xmlns:p14="http://schemas.microsoft.com/office/powerpoint/2010/main" id="1" dur="indefinite" restart="never" nodeType="tmRoot">
           <p:childTnLst>
             <p:seq>
               <p:cTn id="2" nodeType="mainSeq"/>
@@ -17713,7 +19483,7 @@
   <p:timing>
     <p:tnLst>
       <p:par>
-        <p:cTn id="1" dur="indefinite" restart="never" nodeType="tmRoot">
+        <p:cTn xmlns:p14="http://schemas.microsoft.com/office/powerpoint/2010/main" id="1" dur="indefinite" restart="never" nodeType="tmRoot">
           <p:childTnLst>
             <p:seq>
               <p:cTn id="2" nodeType="mainSeq"/>
@@ -18020,18 +19790,32 @@
               <a:buChar char=""/>
             </a:pPr>
             <a:r>
-              <a:rPr lang="pt-BR" sz="2400" strike="noStrike" spc="-1" dirty="0">
-                <a:solidFill>
-                  <a:srgbClr val="000000"/>
-                </a:solidFill>
-                <a:uFill>
-                  <a:solidFill>
-                    <a:srgbClr val="FFFFFF"/>
-                  </a:solidFill>
-                </a:uFill>
-                <a:latin typeface="Century Schoolbook" pitchFamily="18" charset="0"/>
-              </a:rPr>
-              <a:t> </a:t>
+              <a:rPr lang="pt-BR" sz="2400" spc="-1" dirty="0" smtClean="0">
+                <a:solidFill>
+                  <a:srgbClr val="000000"/>
+                </a:solidFill>
+                <a:uFill>
+                  <a:solidFill>
+                    <a:srgbClr val="FFFFFF"/>
+                  </a:solidFill>
+                </a:uFill>
+                <a:latin typeface="Century Schoolbook" pitchFamily="18" charset="0"/>
+              </a:rPr>
+              <a:t>Utiliza o histograma para encontrar o melhor n</a:t>
+            </a:r>
+            <a:r>
+              <a:rPr lang="pt-BR" sz="2400" spc="-1" dirty="0" smtClean="0">
+                <a:solidFill>
+                  <a:srgbClr val="000000"/>
+                </a:solidFill>
+                <a:uFill>
+                  <a:solidFill>
+                    <a:srgbClr val="FFFFFF"/>
+                  </a:solidFill>
+                </a:uFill>
+                <a:latin typeface="Century Schoolbook" pitchFamily="18" charset="0"/>
+              </a:rPr>
+              <a:t>ível de segmentação.</a:t>
             </a:r>
             <a:endParaRPr lang="pt-BR" sz="1800" strike="noStrike" spc="-1" dirty="0">
               <a:solidFill>
@@ -18108,6 +19892,34 @@
                 <a:latin typeface="Century Schoolbook" pitchFamily="18" charset="0"/>
               </a:rPr>
               <a:t> </a:t>
+            </a:r>
+            <a:r>
+              <a:rPr lang="pt-BR" sz="2400" strike="noStrike" spc="-1" dirty="0" smtClean="0">
+                <a:solidFill>
+                  <a:srgbClr val="000000"/>
+                </a:solidFill>
+                <a:uFill>
+                  <a:solidFill>
+                    <a:srgbClr val="FFFFFF"/>
+                  </a:solidFill>
+                </a:uFill>
+                <a:latin typeface="Century Schoolbook" pitchFamily="18" charset="0"/>
+              </a:rPr>
+              <a:t>É sensível ao ruído pois os vales do histograma </a:t>
+            </a:r>
+            <a:r>
+              <a:rPr lang="pt-BR" sz="2400" spc="-1" dirty="0" smtClean="0">
+                <a:solidFill>
+                  <a:srgbClr val="000000"/>
+                </a:solidFill>
+                <a:uFill>
+                  <a:solidFill>
+                    <a:srgbClr val="FFFFFF"/>
+                  </a:solidFill>
+                </a:uFill>
+                <a:latin typeface="Century Schoolbook" pitchFamily="18" charset="0"/>
+              </a:rPr>
+              <a:t>desaparecem.</a:t>
             </a:r>
             <a:endParaRPr lang="pt-BR" sz="1800" strike="noStrike" spc="-1" dirty="0">
               <a:solidFill>
@@ -18131,7 +19943,7 @@
   <p:timing>
     <p:tnLst>
       <p:par>
-        <p:cTn id="1" dur="indefinite" restart="never" nodeType="tmRoot">
+        <p:cTn xmlns:p14="http://schemas.microsoft.com/office/powerpoint/2010/main" id="1" dur="indefinite" restart="never" nodeType="tmRoot">
           <p:childTnLst>
             <p:seq>
               <p:cTn id="2" nodeType="mainSeq"/>
@@ -18663,7 +20475,7 @@
   <p:timing>
     <p:tnLst>
       <p:par>
-        <p:cTn id="1" dur="indefinite" restart="never" nodeType="tmRoot">
+        <p:cTn xmlns:p14="http://schemas.microsoft.com/office/powerpoint/2010/main" id="1" dur="indefinite" restart="never" nodeType="tmRoot">
           <p:childTnLst>
             <p:seq>
               <p:cTn id="2" nodeType="mainSeq"/>
@@ -19403,7 +21215,7 @@
   <p:timing>
     <p:tnLst>
       <p:par>
-        <p:cTn id="1" dur="indefinite" restart="never" nodeType="tmRoot">
+        <p:cTn xmlns:p14="http://schemas.microsoft.com/office/powerpoint/2010/main" id="1" dur="indefinite" restart="never" nodeType="tmRoot">
           <p:childTnLst>
             <p:seq>
               <p:cTn id="2" nodeType="mainSeq"/>
@@ -20074,7 +21886,7 @@
   <p:timing>
     <p:tnLst>
       <p:par>
-        <p:cTn id="1" dur="indefinite" restart="never" nodeType="tmRoot">
+        <p:cTn xmlns:p14="http://schemas.microsoft.com/office/powerpoint/2010/main" id="1" dur="indefinite" restart="never" nodeType="tmRoot">
           <p:childTnLst>
             <p:seq>
               <p:cTn id="2" nodeType="mainSeq"/>
@@ -20583,7 +22395,7 @@
   <p:timing>
     <p:tnLst>
       <p:par>
-        <p:cTn id="1" dur="indefinite" restart="never" nodeType="tmRoot">
+        <p:cTn xmlns:p14="http://schemas.microsoft.com/office/powerpoint/2010/main" id="1" dur="indefinite" restart="never" nodeType="tmRoot">
           <p:childTnLst>
             <p:seq>
               <p:cTn id="2" nodeType="mainSeq"/>
